--- a/lecture_notes/Week6-2e What we have learned.pptx
+++ b/lecture_notes/Week6-2e What we have learned.pptx
@@ -116,7 +116,7 @@
   </p:defaultTextStyle>
   <p:extLst>
     <p:ext uri="{EFAFB233-063F-42B5-8137-9DF3F51BA10A}">
-      <p15:sldGuideLst xmlns:p15="http://schemas.microsoft.com/office/powerpoint/2012/main" xmlns="">
+      <p15:sldGuideLst xmlns="" xmlns:p15="http://schemas.microsoft.com/office/powerpoint/2012/main">
         <p15:guide id="1" orient="horz" pos="2160">
           <p15:clr>
             <a:srgbClr val="A4A3A4"/>
@@ -3572,7 +3572,7 @@
             <a:pPr algn="ctr"/>
             <a:r>
               <a:rPr lang="en-US" altLang="ko-KR" sz="6000" dirty="0" smtClean="0"/>
-              <a:t>Neural Style Implementation</a:t>
+              <a:t>What we have learned so far.. </a:t>
             </a:r>
             <a:endParaRPr lang="en-US" altLang="ko-KR" sz="4800" dirty="0" smtClean="0"/>
           </a:p>
@@ -3617,29 +3617,6 @@
       </p:grpSpPr>
       <p:sp>
         <p:nvSpPr>
-          <p:cNvPr id="3" name="제목 2"/>
-          <p:cNvSpPr>
-            <a:spLocks noGrp="1"/>
-          </p:cNvSpPr>
-          <p:nvPr>
-            <p:ph type="title"/>
-          </p:nvPr>
-        </p:nvSpPr>
-        <p:spPr/>
-        <p:txBody>
-          <a:bodyPr/>
-          <a:lstStyle/>
-          <a:p>
-            <a:r>
-              <a:rPr lang="en-US" altLang="ko-KR" dirty="0" smtClean="0"/>
-              <a:t>Content part</a:t>
-            </a:r>
-            <a:endParaRPr lang="ko-KR" altLang="en-US" dirty="0"/>
-          </a:p>
-        </p:txBody>
-      </p:sp>
-      <p:sp>
-        <p:nvSpPr>
           <p:cNvPr id="4" name="슬라이드 번호 개체 틀 3"/>
           <p:cNvSpPr>
             <a:spLocks noGrp="1"/>
@@ -3685,8 +3662,8 @@
         </p:blipFill>
         <p:spPr bwMode="auto">
           <a:xfrm>
-            <a:off x="676275" y="2271713"/>
-            <a:ext cx="7791450" cy="2314575"/>
+            <a:off x="1422698" y="215496"/>
+            <a:ext cx="6264696" cy="6272567"/>
           </a:xfrm>
           <a:prstGeom prst="rect">
             <a:avLst/>
@@ -3724,8 +3701,8 @@
         </p:nvSpPr>
         <p:spPr>
           <a:xfrm>
-            <a:off x="1209338" y="3432458"/>
-            <a:ext cx="402292" cy="282292"/>
+            <a:off x="4246240" y="992535"/>
+            <a:ext cx="1189856" cy="228600"/>
           </a:xfrm>
           <a:prstGeom prst="rect">
             <a:avLst/>
@@ -3780,8 +3757,8 @@
         </p:nvSpPr>
         <p:spPr>
           <a:xfrm>
-            <a:off x="5167928" y="3996338"/>
-            <a:ext cx="402292" cy="282292"/>
+            <a:off x="4246240" y="1484784"/>
+            <a:ext cx="1189856" cy="228600"/>
           </a:xfrm>
           <a:prstGeom prst="rect">
             <a:avLst/>
@@ -3836,8 +3813,8 @@
         </p:nvSpPr>
         <p:spPr>
           <a:xfrm>
-            <a:off x="1220768" y="3988718"/>
-            <a:ext cx="3640792" cy="282292"/>
+            <a:off x="4246240" y="1916832"/>
+            <a:ext cx="1189856" cy="228600"/>
           </a:xfrm>
           <a:prstGeom prst="rect">
             <a:avLst/>
@@ -3884,394 +3861,16 @@
           </a:p>
         </p:txBody>
       </p:sp>
-    </p:spTree>
-    <p:extLst>
-      <p:ext uri="{BB962C8B-B14F-4D97-AF65-F5344CB8AC3E}">
-        <p14:creationId xmlns:p14="http://schemas.microsoft.com/office/powerpoint/2010/main" val="299061995"/>
-      </p:ext>
-    </p:extLst>
-  </p:cSld>
-  <p:clrMapOvr>
-    <a:masterClrMapping/>
-  </p:clrMapOvr>
-  <p:timing>
-    <p:tnLst>
-      <p:par>
-        <p:cTn id="1" dur="indefinite" restart="never" nodeType="tmRoot">
-          <p:childTnLst>
-            <p:seq concurrent="1" nextAc="seek">
-              <p:cTn id="2" dur="indefinite" nodeType="mainSeq">
-                <p:childTnLst>
-                  <p:par>
-                    <p:cTn id="3" fill="hold">
-                      <p:stCondLst>
-                        <p:cond delay="indefinite"/>
-                      </p:stCondLst>
-                      <p:childTnLst>
-                        <p:par>
-                          <p:cTn id="4" fill="hold">
-                            <p:stCondLst>
-                              <p:cond delay="0"/>
-                            </p:stCondLst>
-                            <p:childTnLst>
-                              <p:par>
-                                <p:cTn id="5" presetID="10" presetClass="entr" presetSubtype="0" fill="hold" nodeType="clickEffect">
-                                  <p:stCondLst>
-                                    <p:cond delay="0"/>
-                                  </p:stCondLst>
-                                  <p:childTnLst>
-                                    <p:set>
-                                      <p:cBhvr>
-                                        <p:cTn id="6" dur="1" fill="hold">
-                                          <p:stCondLst>
-                                            <p:cond delay="0"/>
-                                          </p:stCondLst>
-                                        </p:cTn>
-                                        <p:tgtEl>
-                                          <p:spTgt spid="1026"/>
-                                        </p:tgtEl>
-                                        <p:attrNameLst>
-                                          <p:attrName>style.visibility</p:attrName>
-                                        </p:attrNameLst>
-                                      </p:cBhvr>
-                                      <p:to>
-                                        <p:strVal val="visible"/>
-                                      </p:to>
-                                    </p:set>
-                                    <p:animEffect transition="in" filter="fade">
-                                      <p:cBhvr>
-                                        <p:cTn id="7" dur="500"/>
-                                        <p:tgtEl>
-                                          <p:spTgt spid="1026"/>
-                                        </p:tgtEl>
-                                      </p:cBhvr>
-                                    </p:animEffect>
-                                  </p:childTnLst>
-                                </p:cTn>
-                              </p:par>
-                            </p:childTnLst>
-                          </p:cTn>
-                        </p:par>
-                      </p:childTnLst>
-                    </p:cTn>
-                  </p:par>
-                  <p:par>
-                    <p:cTn id="8" fill="hold">
-                      <p:stCondLst>
-                        <p:cond delay="indefinite"/>
-                      </p:stCondLst>
-                      <p:childTnLst>
-                        <p:par>
-                          <p:cTn id="9" fill="hold">
-                            <p:stCondLst>
-                              <p:cond delay="0"/>
-                            </p:stCondLst>
-                            <p:childTnLst>
-                              <p:par>
-                                <p:cTn id="10" presetID="10" presetClass="entr" presetSubtype="0" fill="hold" grpId="0" nodeType="clickEffect">
-                                  <p:stCondLst>
-                                    <p:cond delay="0"/>
-                                  </p:stCondLst>
-                                  <p:childTnLst>
-                                    <p:set>
-                                      <p:cBhvr>
-                                        <p:cTn id="11" dur="1" fill="hold">
-                                          <p:stCondLst>
-                                            <p:cond delay="0"/>
-                                          </p:stCondLst>
-                                        </p:cTn>
-                                        <p:tgtEl>
-                                          <p:spTgt spid="5"/>
-                                        </p:tgtEl>
-                                        <p:attrNameLst>
-                                          <p:attrName>style.visibility</p:attrName>
-                                        </p:attrNameLst>
-                                      </p:cBhvr>
-                                      <p:to>
-                                        <p:strVal val="visible"/>
-                                      </p:to>
-                                    </p:set>
-                                    <p:animEffect transition="in" filter="fade">
-                                      <p:cBhvr>
-                                        <p:cTn id="12" dur="500"/>
-                                        <p:tgtEl>
-                                          <p:spTgt spid="5"/>
-                                        </p:tgtEl>
-                                      </p:cBhvr>
-                                    </p:animEffect>
-                                  </p:childTnLst>
-                                </p:cTn>
-                              </p:par>
-                            </p:childTnLst>
-                          </p:cTn>
-                        </p:par>
-                      </p:childTnLst>
-                    </p:cTn>
-                  </p:par>
-                  <p:par>
-                    <p:cTn id="13" fill="hold">
-                      <p:stCondLst>
-                        <p:cond delay="indefinite"/>
-                      </p:stCondLst>
-                      <p:childTnLst>
-                        <p:par>
-                          <p:cTn id="14" fill="hold">
-                            <p:stCondLst>
-                              <p:cond delay="0"/>
-                            </p:stCondLst>
-                            <p:childTnLst>
-                              <p:par>
-                                <p:cTn id="15" presetID="10" presetClass="entr" presetSubtype="0" fill="hold" grpId="0" nodeType="clickEffect">
-                                  <p:stCondLst>
-                                    <p:cond delay="0"/>
-                                  </p:stCondLst>
-                                  <p:childTnLst>
-                                    <p:set>
-                                      <p:cBhvr>
-                                        <p:cTn id="16" dur="1" fill="hold">
-                                          <p:stCondLst>
-                                            <p:cond delay="0"/>
-                                          </p:stCondLst>
-                                        </p:cTn>
-                                        <p:tgtEl>
-                                          <p:spTgt spid="7"/>
-                                        </p:tgtEl>
-                                        <p:attrNameLst>
-                                          <p:attrName>style.visibility</p:attrName>
-                                        </p:attrNameLst>
-                                      </p:cBhvr>
-                                      <p:to>
-                                        <p:strVal val="visible"/>
-                                      </p:to>
-                                    </p:set>
-                                    <p:animEffect transition="in" filter="fade">
-                                      <p:cBhvr>
-                                        <p:cTn id="17" dur="500"/>
-                                        <p:tgtEl>
-                                          <p:spTgt spid="7"/>
-                                        </p:tgtEl>
-                                      </p:cBhvr>
-                                    </p:animEffect>
-                                  </p:childTnLst>
-                                </p:cTn>
-                              </p:par>
-                            </p:childTnLst>
-                          </p:cTn>
-                        </p:par>
-                      </p:childTnLst>
-                    </p:cTn>
-                  </p:par>
-                  <p:par>
-                    <p:cTn id="18" fill="hold">
-                      <p:stCondLst>
-                        <p:cond delay="indefinite"/>
-                      </p:stCondLst>
-                      <p:childTnLst>
-                        <p:par>
-                          <p:cTn id="19" fill="hold">
-                            <p:stCondLst>
-                              <p:cond delay="0"/>
-                            </p:stCondLst>
-                            <p:childTnLst>
-                              <p:par>
-                                <p:cTn id="20" presetID="10" presetClass="entr" presetSubtype="0" fill="hold" grpId="0" nodeType="clickEffect">
-                                  <p:stCondLst>
-                                    <p:cond delay="0"/>
-                                  </p:stCondLst>
-                                  <p:childTnLst>
-                                    <p:set>
-                                      <p:cBhvr>
-                                        <p:cTn id="21" dur="1" fill="hold">
-                                          <p:stCondLst>
-                                            <p:cond delay="0"/>
-                                          </p:stCondLst>
-                                        </p:cTn>
-                                        <p:tgtEl>
-                                          <p:spTgt spid="8"/>
-                                        </p:tgtEl>
-                                        <p:attrNameLst>
-                                          <p:attrName>style.visibility</p:attrName>
-                                        </p:attrNameLst>
-                                      </p:cBhvr>
-                                      <p:to>
-                                        <p:strVal val="visible"/>
-                                      </p:to>
-                                    </p:set>
-                                    <p:animEffect transition="in" filter="fade">
-                                      <p:cBhvr>
-                                        <p:cTn id="22" dur="500"/>
-                                        <p:tgtEl>
-                                          <p:spTgt spid="8"/>
-                                        </p:tgtEl>
-                                      </p:cBhvr>
-                                    </p:animEffect>
-                                  </p:childTnLst>
-                                </p:cTn>
-                              </p:par>
-                            </p:childTnLst>
-                          </p:cTn>
-                        </p:par>
-                      </p:childTnLst>
-                    </p:cTn>
-                  </p:par>
-                </p:childTnLst>
-              </p:cTn>
-              <p:prevCondLst>
-                <p:cond evt="onPrev" delay="0">
-                  <p:tgtEl>
-                    <p:sldTgt/>
-                  </p:tgtEl>
-                </p:cond>
-              </p:prevCondLst>
-              <p:nextCondLst>
-                <p:cond evt="onNext" delay="0">
-                  <p:tgtEl>
-                    <p:sldTgt/>
-                  </p:tgtEl>
-                </p:cond>
-              </p:nextCondLst>
-            </p:seq>
-          </p:childTnLst>
-        </p:cTn>
-      </p:par>
-    </p:tnLst>
-    <p:bldLst>
-      <p:bldP spid="5" grpId="0" animBg="1"/>
-      <p:bldP spid="7" grpId="0" animBg="1"/>
-      <p:bldP spid="8" grpId="0" animBg="1"/>
-    </p:bldLst>
-  </p:timing>
-</p:sld>
-</file>
-
-<file path=ppt/slides/slide3.xml><?xml version="1.0" encoding="utf-8"?>
-<p:sld xmlns:a="http://schemas.openxmlformats.org/drawingml/2006/main" xmlns:r="http://schemas.openxmlformats.org/officeDocument/2006/relationships" xmlns:p="http://schemas.openxmlformats.org/presentationml/2006/main">
-  <p:cSld>
-    <p:spTree>
-      <p:nvGrpSpPr>
-        <p:cNvPr id="1" name=""/>
-        <p:cNvGrpSpPr/>
-        <p:nvPr/>
-      </p:nvGrpSpPr>
-      <p:grpSpPr>
-        <a:xfrm>
-          <a:off x="0" y="0"/>
-          <a:ext cx="0" cy="0"/>
-          <a:chOff x="0" y="0"/>
-          <a:chExt cx="0" cy="0"/>
-        </a:xfrm>
-      </p:grpSpPr>
-      <p:sp>
-        <p:nvSpPr>
-          <p:cNvPr id="3" name="제목 2"/>
-          <p:cNvSpPr>
-            <a:spLocks noGrp="1"/>
-          </p:cNvSpPr>
-          <p:nvPr>
-            <p:ph type="title"/>
-          </p:nvPr>
-        </p:nvSpPr>
-        <p:spPr/>
-        <p:txBody>
-          <a:bodyPr/>
-          <a:lstStyle/>
-          <a:p>
-            <a:r>
-              <a:rPr lang="en-US" altLang="ko-KR" dirty="0" smtClean="0"/>
-              <a:t>Style part</a:t>
-            </a:r>
-            <a:endParaRPr lang="ko-KR" altLang="en-US" dirty="0"/>
-          </a:p>
-        </p:txBody>
-      </p:sp>
-      <p:sp>
-        <p:nvSpPr>
-          <p:cNvPr id="4" name="슬라이드 번호 개체 틀 3"/>
-          <p:cNvSpPr>
-            <a:spLocks noGrp="1"/>
-          </p:cNvSpPr>
-          <p:nvPr>
-            <p:ph type="sldNum" sz="quarter" idx="12"/>
-          </p:nvPr>
-        </p:nvSpPr>
-        <p:spPr/>
-        <p:txBody>
-          <a:bodyPr/>
-          <a:lstStyle/>
-          <a:p>
-            <a:fld id="{4CA1D5AE-3018-49FC-B3E0-A1E0E9567469}" type="slidenum">
-              <a:rPr lang="ko-KR" altLang="en-US" smtClean="0"/>
-              <a:pPr/>
-              <a:t>3</a:t>
-            </a:fld>
-            <a:endParaRPr lang="ko-KR" altLang="en-US"/>
-          </a:p>
-        </p:txBody>
-      </p:sp>
-      <p:pic>
-        <p:nvPicPr>
-          <p:cNvPr id="2050" name="Picture 2"/>
-          <p:cNvPicPr>
-            <a:picLocks noChangeAspect="1" noChangeArrowheads="1"/>
-          </p:cNvPicPr>
-          <p:nvPr/>
-        </p:nvPicPr>
-        <p:blipFill>
-          <a:blip r:embed="rId2">
-            <a:extLst>
-              <a:ext uri="{28A0092B-C50C-407E-A947-70E740481C1C}">
-                <a14:useLocalDpi xmlns:a14="http://schemas.microsoft.com/office/drawing/2010/main" val="0"/>
-              </a:ext>
-            </a:extLst>
-          </a:blip>
-          <a:srcRect/>
-          <a:stretch>
-            <a:fillRect/>
-          </a:stretch>
-        </p:blipFill>
-        <p:spPr bwMode="auto">
-          <a:xfrm>
-            <a:off x="481013" y="1695450"/>
-            <a:ext cx="8181975" cy="3467100"/>
-          </a:xfrm>
-          <a:prstGeom prst="rect">
-            <a:avLst/>
-          </a:prstGeom>
-          <a:noFill/>
-          <a:ln>
-            <a:noFill/>
-          </a:ln>
-          <a:extLst>
-            <a:ext uri="{909E8E84-426E-40DD-AFC4-6F175D3DCCD1}">
-              <a14:hiddenFill xmlns:a14="http://schemas.microsoft.com/office/drawing/2010/main">
-                <a:solidFill>
-                  <a:schemeClr val="accent1"/>
-                </a:solidFill>
-              </a14:hiddenFill>
-            </a:ext>
-            <a:ext uri="{91240B29-F687-4F45-9708-019B960494DF}">
-              <a14:hiddenLine xmlns:a14="http://schemas.microsoft.com/office/drawing/2010/main" w="9525">
-                <a:solidFill>
-                  <a:schemeClr val="tx1"/>
-                </a:solidFill>
-                <a:miter lim="800000"/>
-                <a:headEnd/>
-                <a:tailEnd/>
-              </a14:hiddenLine>
-            </a:ext>
-          </a:extLst>
-        </p:spPr>
-      </p:pic>
-      <p:sp>
-        <p:nvSpPr>
-          <p:cNvPr id="6" name="직사각형 5"/>
+      <p:sp>
+        <p:nvSpPr>
+          <p:cNvPr id="9" name="직사각형 8"/>
           <p:cNvSpPr/>
           <p:nvPr/>
         </p:nvSpPr>
         <p:spPr>
           <a:xfrm>
-            <a:off x="1441748" y="3116228"/>
-            <a:ext cx="402292" cy="282292"/>
+            <a:off x="4246240" y="2345457"/>
+            <a:ext cx="1189856" cy="228600"/>
           </a:xfrm>
           <a:prstGeom prst="rect">
             <a:avLst/>
@@ -4320,14 +3919,14 @@
       </p:sp>
       <p:sp>
         <p:nvSpPr>
-          <p:cNvPr id="7" name="직사각형 6"/>
+          <p:cNvPr id="10" name="직사각형 9"/>
           <p:cNvSpPr/>
           <p:nvPr/>
         </p:nvSpPr>
         <p:spPr>
           <a:xfrm>
-            <a:off x="3180958" y="3923888"/>
-            <a:ext cx="402292" cy="282292"/>
+            <a:off x="4246240" y="2795439"/>
+            <a:ext cx="1189856" cy="228600"/>
           </a:xfrm>
           <a:prstGeom prst="rect">
             <a:avLst/>
@@ -4376,14 +3975,14 @@
       </p:sp>
       <p:sp>
         <p:nvSpPr>
-          <p:cNvPr id="8" name="직사각형 7"/>
+          <p:cNvPr id="11" name="직사각형 10"/>
           <p:cNvSpPr/>
           <p:nvPr/>
         </p:nvSpPr>
         <p:spPr>
           <a:xfrm>
-            <a:off x="1907704" y="3923888"/>
-            <a:ext cx="1008112" cy="282292"/>
+            <a:off x="4246240" y="3247004"/>
+            <a:ext cx="1189856" cy="228600"/>
           </a:xfrm>
           <a:prstGeom prst="rect">
             <a:avLst/>
@@ -4432,14 +4031,14 @@
       </p:sp>
       <p:sp>
         <p:nvSpPr>
-          <p:cNvPr id="9" name="직사각형 8"/>
+          <p:cNvPr id="12" name="직사각형 11"/>
           <p:cNvSpPr/>
           <p:nvPr/>
         </p:nvSpPr>
         <p:spPr>
           <a:xfrm>
-            <a:off x="3535338" y="4217434"/>
-            <a:ext cx="888072" cy="282292"/>
+            <a:off x="4246240" y="3817615"/>
+            <a:ext cx="1189856" cy="228600"/>
           </a:xfrm>
           <a:prstGeom prst="rect">
             <a:avLst/>
@@ -4488,53 +4087,14 @@
       </p:sp>
       <p:sp>
         <p:nvSpPr>
-          <p:cNvPr id="5" name="TextBox 4"/>
-          <p:cNvSpPr txBox="1"/>
+          <p:cNvPr id="13" name="직사각형 12"/>
+          <p:cNvSpPr/>
           <p:nvPr/>
         </p:nvSpPr>
         <p:spPr>
           <a:xfrm>
-            <a:off x="606743" y="4152488"/>
-            <a:ext cx="1112612" cy="369332"/>
-          </a:xfrm>
-          <a:prstGeom prst="rect">
-            <a:avLst/>
-          </a:prstGeom>
-          <a:noFill/>
-        </p:spPr>
-        <p:txBody>
-          <a:bodyPr wrap="none" rtlCol="0">
-            <a:spAutoFit/>
-          </a:bodyPr>
-          <a:lstStyle/>
-          <a:p>
-            <a:pPr algn="r"/>
-            <a:r>
-              <a:rPr lang="en-US" altLang="ko-KR" dirty="0" smtClean="0">
-                <a:solidFill>
-                  <a:srgbClr val="FF0000"/>
-                </a:solidFill>
-              </a:rPr>
-              <a:t>vectorize</a:t>
-            </a:r>
-            <a:endParaRPr lang="ko-KR" altLang="en-US" dirty="0" smtClean="0">
-              <a:solidFill>
-                <a:srgbClr val="FF0000"/>
-              </a:solidFill>
-            </a:endParaRPr>
-          </a:p>
-        </p:txBody>
-      </p:sp>
-      <p:sp>
-        <p:nvSpPr>
-          <p:cNvPr id="11" name="직사각형 10"/>
-          <p:cNvSpPr/>
-          <p:nvPr/>
-        </p:nvSpPr>
-        <p:spPr>
-          <a:xfrm>
-            <a:off x="2670468" y="4495564"/>
-            <a:ext cx="3696042" cy="282292"/>
+            <a:off x="4246240" y="4437112"/>
+            <a:ext cx="1333872" cy="228600"/>
           </a:xfrm>
           <a:prstGeom prst="rect">
             <a:avLst/>
@@ -4583,53 +4143,14 @@
       </p:sp>
       <p:sp>
         <p:nvSpPr>
-          <p:cNvPr id="12" name="TextBox 11"/>
-          <p:cNvSpPr txBox="1"/>
+          <p:cNvPr id="14" name="직사각형 13"/>
+          <p:cNvSpPr/>
           <p:nvPr/>
         </p:nvSpPr>
         <p:spPr>
           <a:xfrm>
-            <a:off x="258699" y="4429184"/>
-            <a:ext cx="1460656" cy="369332"/>
-          </a:xfrm>
-          <a:prstGeom prst="rect">
-            <a:avLst/>
-          </a:prstGeom>
-          <a:noFill/>
-        </p:spPr>
-        <p:txBody>
-          <a:bodyPr wrap="none" rtlCol="0">
-            <a:spAutoFit/>
-          </a:bodyPr>
-          <a:lstStyle/>
-          <a:p>
-            <a:pPr algn="r"/>
-            <a:r>
-              <a:rPr lang="en-US" altLang="ko-KR" dirty="0" smtClean="0">
-                <a:solidFill>
-                  <a:srgbClr val="FF0000"/>
-                </a:solidFill>
-              </a:rPr>
-              <a:t>gram matrix</a:t>
-            </a:r>
-            <a:endParaRPr lang="ko-KR" altLang="en-US" dirty="0" smtClean="0">
-              <a:solidFill>
-                <a:srgbClr val="FF0000"/>
-              </a:solidFill>
-            </a:endParaRPr>
-          </a:p>
-        </p:txBody>
-      </p:sp>
-      <p:sp>
-        <p:nvSpPr>
-          <p:cNvPr id="13" name="직사각형 12"/>
-          <p:cNvSpPr/>
-          <p:nvPr/>
-        </p:nvSpPr>
-        <p:spPr>
-          <a:xfrm>
-            <a:off x="2748578" y="1999898"/>
-            <a:ext cx="829012" cy="282292"/>
+            <a:off x="4246240" y="4941168"/>
+            <a:ext cx="2125960" cy="228600"/>
           </a:xfrm>
           <a:prstGeom prst="rect">
             <a:avLst/>
@@ -4678,38 +4199,111 @@
       </p:sp>
       <p:sp>
         <p:nvSpPr>
-          <p:cNvPr id="14" name="TextBox 13"/>
-          <p:cNvSpPr txBox="1"/>
+          <p:cNvPr id="15" name="직사각형 14"/>
+          <p:cNvSpPr/>
           <p:nvPr/>
         </p:nvSpPr>
         <p:spPr>
           <a:xfrm>
-            <a:off x="3775572" y="1938878"/>
-            <a:ext cx="1372492" cy="369332"/>
+            <a:off x="4246240" y="5435699"/>
+            <a:ext cx="1405880" cy="228600"/>
           </a:xfrm>
           <a:prstGeom prst="rect">
             <a:avLst/>
           </a:prstGeom>
           <a:noFill/>
+          <a:ln w="19050">
+            <a:solidFill>
+              <a:srgbClr val="FF0000"/>
+            </a:solidFill>
+            <a:prstDash val="dash"/>
+          </a:ln>
         </p:spPr>
-        <p:txBody>
-          <a:bodyPr wrap="none" rtlCol="0">
-            <a:spAutoFit/>
+        <p:style>
+          <a:lnRef idx="2">
+            <a:schemeClr val="accent1">
+              <a:shade val="50000"/>
+            </a:schemeClr>
+          </a:lnRef>
+          <a:fillRef idx="1">
+            <a:schemeClr val="accent1"/>
+          </a:fillRef>
+          <a:effectRef idx="0">
+            <a:schemeClr val="accent1"/>
+          </a:effectRef>
+          <a:fontRef idx="minor">
+            <a:schemeClr val="lt1"/>
+          </a:fontRef>
+        </p:style>
+        <p:txBody>
+          <a:bodyPr rot="0" spcFirstLastPara="0" vertOverflow="overflow" horzOverflow="overflow" vert="horz" wrap="square" lIns="91440" tIns="45720" rIns="91440" bIns="45720" numCol="1" spcCol="0" rtlCol="0" fromWordArt="0" anchor="ctr" anchorCtr="0" forceAA="0" compatLnSpc="1">
+            <a:prstTxWarp prst="textNoShape">
+              <a:avLst/>
+            </a:prstTxWarp>
+            <a:noAutofit/>
           </a:bodyPr>
           <a:lstStyle/>
           <a:p>
-            <a:pPr algn="r"/>
-            <a:r>
-              <a:rPr lang="en-US" altLang="ko-KR" dirty="0" smtClean="0">
-                <a:solidFill>
-                  <a:srgbClr val="FF0000"/>
-                </a:solidFill>
-              </a:rPr>
-              <a:t>usually one</a:t>
-            </a:r>
+            <a:pPr algn="ctr"/>
             <a:endParaRPr lang="ko-KR" altLang="en-US" dirty="0" smtClean="0">
               <a:solidFill>
-                <a:srgbClr val="FF0000"/>
+                <a:schemeClr val="tx1"/>
+              </a:solidFill>
+            </a:endParaRPr>
+          </a:p>
+        </p:txBody>
+      </p:sp>
+      <p:sp>
+        <p:nvSpPr>
+          <p:cNvPr id="16" name="직사각형 15"/>
+          <p:cNvSpPr/>
+          <p:nvPr/>
+        </p:nvSpPr>
+        <p:spPr>
+          <a:xfrm>
+            <a:off x="4246239" y="5877271"/>
+            <a:ext cx="2183135" cy="380653"/>
+          </a:xfrm>
+          <a:prstGeom prst="rect">
+            <a:avLst/>
+          </a:prstGeom>
+          <a:noFill/>
+          <a:ln w="19050">
+            <a:solidFill>
+              <a:srgbClr val="FF0000"/>
+            </a:solidFill>
+            <a:prstDash val="dash"/>
+          </a:ln>
+        </p:spPr>
+        <p:style>
+          <a:lnRef idx="2">
+            <a:schemeClr val="accent1">
+              <a:shade val="50000"/>
+            </a:schemeClr>
+          </a:lnRef>
+          <a:fillRef idx="1">
+            <a:schemeClr val="accent1"/>
+          </a:fillRef>
+          <a:effectRef idx="0">
+            <a:schemeClr val="accent1"/>
+          </a:effectRef>
+          <a:fontRef idx="minor">
+            <a:schemeClr val="lt1"/>
+          </a:fontRef>
+        </p:style>
+        <p:txBody>
+          <a:bodyPr rot="0" spcFirstLastPara="0" vertOverflow="overflow" horzOverflow="overflow" vert="horz" wrap="square" lIns="91440" tIns="45720" rIns="91440" bIns="45720" numCol="1" spcCol="0" rtlCol="0" fromWordArt="0" anchor="ctr" anchorCtr="0" forceAA="0" compatLnSpc="1">
+            <a:prstTxWarp prst="textNoShape">
+              <a:avLst/>
+            </a:prstTxWarp>
+            <a:noAutofit/>
+          </a:bodyPr>
+          <a:lstStyle/>
+          <a:p>
+            <a:pPr algn="ctr"/>
+            <a:endParaRPr lang="ko-KR" altLang="en-US" dirty="0" smtClean="0">
+              <a:solidFill>
+                <a:schemeClr val="tx1"/>
               </a:solidFill>
             </a:endParaRPr>
           </a:p>
@@ -4718,7 +4312,7 @@
     </p:spTree>
     <p:extLst>
       <p:ext uri="{BB962C8B-B14F-4D97-AF65-F5344CB8AC3E}">
-        <p14:creationId xmlns:p14="http://schemas.microsoft.com/office/powerpoint/2010/main" val="2933150228"/>
+        <p14:creationId xmlns:p14="http://schemas.microsoft.com/office/powerpoint/2010/main" val="3235801288"/>
       </p:ext>
     </p:extLst>
   </p:cSld>
@@ -4759,7 +4353,7 @@
                                           </p:stCondLst>
                                         </p:cTn>
                                         <p:tgtEl>
-                                          <p:spTgt spid="14"/>
+                                          <p:spTgt spid="5"/>
                                         </p:tgtEl>
                                         <p:attrNameLst>
                                           <p:attrName>style.visibility</p:attrName>
@@ -4773,1386 +4367,7 @@
                                       <p:cBhvr>
                                         <p:cTn id="7" dur="500"/>
                                         <p:tgtEl>
-                                          <p:spTgt spid="14"/>
-                                        </p:tgtEl>
-                                      </p:cBhvr>
-                                    </p:animEffect>
-                                  </p:childTnLst>
-                                </p:cTn>
-                              </p:par>
-                            </p:childTnLst>
-                          </p:cTn>
-                        </p:par>
-                      </p:childTnLst>
-                    </p:cTn>
-                  </p:par>
-                  <p:par>
-                    <p:cTn id="8" fill="hold">
-                      <p:stCondLst>
-                        <p:cond delay="indefinite"/>
-                      </p:stCondLst>
-                      <p:childTnLst>
-                        <p:par>
-                          <p:cTn id="9" fill="hold">
-                            <p:stCondLst>
-                              <p:cond delay="0"/>
-                            </p:stCondLst>
-                            <p:childTnLst>
-                              <p:par>
-                                <p:cTn id="10" presetID="10" presetClass="entr" presetSubtype="0" fill="hold" nodeType="clickEffect">
-                                  <p:stCondLst>
-                                    <p:cond delay="0"/>
-                                  </p:stCondLst>
-                                  <p:childTnLst>
-                                    <p:set>
-                                      <p:cBhvr>
-                                        <p:cTn id="11" dur="1" fill="hold">
-                                          <p:stCondLst>
-                                            <p:cond delay="0"/>
-                                          </p:stCondLst>
-                                        </p:cTn>
-                                        <p:tgtEl>
-                                          <p:spTgt spid="14">
-                                            <p:txEl>
-                                              <p:pRg st="0" end="0"/>
-                                            </p:txEl>
-                                          </p:spTgt>
-                                        </p:tgtEl>
-                                        <p:attrNameLst>
-                                          <p:attrName>style.visibility</p:attrName>
-                                        </p:attrNameLst>
-                                      </p:cBhvr>
-                                      <p:to>
-                                        <p:strVal val="visible"/>
-                                      </p:to>
-                                    </p:set>
-                                    <p:animEffect transition="in" filter="fade">
-                                      <p:cBhvr>
-                                        <p:cTn id="12" dur="500"/>
-                                        <p:tgtEl>
-                                          <p:spTgt spid="14">
-                                            <p:txEl>
-                                              <p:pRg st="0" end="0"/>
-                                            </p:txEl>
-                                          </p:spTgt>
-                                        </p:tgtEl>
-                                      </p:cBhvr>
-                                    </p:animEffect>
-                                  </p:childTnLst>
-                                </p:cTn>
-                              </p:par>
-                            </p:childTnLst>
-                          </p:cTn>
-                        </p:par>
-                      </p:childTnLst>
-                    </p:cTn>
-                  </p:par>
-                  <p:par>
-                    <p:cTn id="13" fill="hold">
-                      <p:stCondLst>
-                        <p:cond delay="indefinite"/>
-                      </p:stCondLst>
-                      <p:childTnLst>
-                        <p:par>
-                          <p:cTn id="14" fill="hold">
-                            <p:stCondLst>
-                              <p:cond delay="0"/>
-                            </p:stCondLst>
-                            <p:childTnLst>
-                              <p:par>
-                                <p:cTn id="15" presetID="10" presetClass="entr" presetSubtype="0" fill="hold" grpId="0" nodeType="clickEffect">
-                                  <p:stCondLst>
-                                    <p:cond delay="0"/>
-                                  </p:stCondLst>
-                                  <p:childTnLst>
-                                    <p:set>
-                                      <p:cBhvr>
-                                        <p:cTn id="16" dur="1" fill="hold">
-                                          <p:stCondLst>
-                                            <p:cond delay="0"/>
-                                          </p:stCondLst>
-                                        </p:cTn>
-                                        <p:tgtEl>
-                                          <p:spTgt spid="13"/>
-                                        </p:tgtEl>
-                                        <p:attrNameLst>
-                                          <p:attrName>style.visibility</p:attrName>
-                                        </p:attrNameLst>
-                                      </p:cBhvr>
-                                      <p:to>
-                                        <p:strVal val="visible"/>
-                                      </p:to>
-                                    </p:set>
-                                    <p:animEffect transition="in" filter="fade">
-                                      <p:cBhvr>
-                                        <p:cTn id="17" dur="500"/>
-                                        <p:tgtEl>
-                                          <p:spTgt spid="13"/>
-                                        </p:tgtEl>
-                                      </p:cBhvr>
-                                    </p:animEffect>
-                                  </p:childTnLst>
-                                </p:cTn>
-                              </p:par>
-                            </p:childTnLst>
-                          </p:cTn>
-                        </p:par>
-                      </p:childTnLst>
-                    </p:cTn>
-                  </p:par>
-                  <p:par>
-                    <p:cTn id="18" fill="hold">
-                      <p:stCondLst>
-                        <p:cond delay="indefinite"/>
-                      </p:stCondLst>
-                      <p:childTnLst>
-                        <p:par>
-                          <p:cTn id="19" fill="hold">
-                            <p:stCondLst>
-                              <p:cond delay="0"/>
-                            </p:stCondLst>
-                            <p:childTnLst>
-                              <p:par>
-                                <p:cTn id="20" presetID="10" presetClass="entr" presetSubtype="0" fill="hold" nodeType="clickEffect">
-                                  <p:stCondLst>
-                                    <p:cond delay="0"/>
-                                  </p:stCondLst>
-                                  <p:childTnLst>
-                                    <p:set>
-                                      <p:cBhvr>
-                                        <p:cTn id="21" dur="1" fill="hold">
-                                          <p:stCondLst>
-                                            <p:cond delay="0"/>
-                                          </p:stCondLst>
-                                        </p:cTn>
-                                        <p:tgtEl>
-                                          <p:spTgt spid="2050"/>
-                                        </p:tgtEl>
-                                        <p:attrNameLst>
-                                          <p:attrName>style.visibility</p:attrName>
-                                        </p:attrNameLst>
-                                      </p:cBhvr>
-                                      <p:to>
-                                        <p:strVal val="visible"/>
-                                      </p:to>
-                                    </p:set>
-                                    <p:animEffect transition="in" filter="fade">
-                                      <p:cBhvr>
-                                        <p:cTn id="22" dur="500"/>
-                                        <p:tgtEl>
-                                          <p:spTgt spid="2050"/>
-                                        </p:tgtEl>
-                                      </p:cBhvr>
-                                    </p:animEffect>
-                                  </p:childTnLst>
-                                </p:cTn>
-                              </p:par>
-                            </p:childTnLst>
-                          </p:cTn>
-                        </p:par>
-                      </p:childTnLst>
-                    </p:cTn>
-                  </p:par>
-                  <p:par>
-                    <p:cTn id="23" fill="hold">
-                      <p:stCondLst>
-                        <p:cond delay="indefinite"/>
-                      </p:stCondLst>
-                      <p:childTnLst>
-                        <p:par>
-                          <p:cTn id="24" fill="hold">
-                            <p:stCondLst>
-                              <p:cond delay="0"/>
-                            </p:stCondLst>
-                            <p:childTnLst>
-                              <p:par>
-                                <p:cTn id="25" presetID="10" presetClass="entr" presetSubtype="0" fill="hold" grpId="0" nodeType="clickEffect">
-                                  <p:stCondLst>
-                                    <p:cond delay="0"/>
-                                  </p:stCondLst>
-                                  <p:childTnLst>
-                                    <p:set>
-                                      <p:cBhvr>
-                                        <p:cTn id="26" dur="1" fill="hold">
-                                          <p:stCondLst>
-                                            <p:cond delay="0"/>
-                                          </p:stCondLst>
-                                        </p:cTn>
-                                        <p:tgtEl>
-                                          <p:spTgt spid="6"/>
-                                        </p:tgtEl>
-                                        <p:attrNameLst>
-                                          <p:attrName>style.visibility</p:attrName>
-                                        </p:attrNameLst>
-                                      </p:cBhvr>
-                                      <p:to>
-                                        <p:strVal val="visible"/>
-                                      </p:to>
-                                    </p:set>
-                                    <p:animEffect transition="in" filter="fade">
-                                      <p:cBhvr>
-                                        <p:cTn id="27" dur="500"/>
-                                        <p:tgtEl>
-                                          <p:spTgt spid="6"/>
-                                        </p:tgtEl>
-                                      </p:cBhvr>
-                                    </p:animEffect>
-                                  </p:childTnLst>
-                                </p:cTn>
-                              </p:par>
-                            </p:childTnLst>
-                          </p:cTn>
-                        </p:par>
-                      </p:childTnLst>
-                    </p:cTn>
-                  </p:par>
-                  <p:par>
-                    <p:cTn id="28" fill="hold">
-                      <p:stCondLst>
-                        <p:cond delay="indefinite"/>
-                      </p:stCondLst>
-                      <p:childTnLst>
-                        <p:par>
-                          <p:cTn id="29" fill="hold">
-                            <p:stCondLst>
-                              <p:cond delay="0"/>
-                            </p:stCondLst>
-                            <p:childTnLst>
-                              <p:par>
-                                <p:cTn id="30" presetID="10" presetClass="entr" presetSubtype="0" fill="hold" grpId="0" nodeType="clickEffect">
-                                  <p:stCondLst>
-                                    <p:cond delay="0"/>
-                                  </p:stCondLst>
-                                  <p:childTnLst>
-                                    <p:set>
-                                      <p:cBhvr>
-                                        <p:cTn id="31" dur="1" fill="hold">
-                                          <p:stCondLst>
-                                            <p:cond delay="0"/>
-                                          </p:stCondLst>
-                                        </p:cTn>
-                                        <p:tgtEl>
-                                          <p:spTgt spid="7"/>
-                                        </p:tgtEl>
-                                        <p:attrNameLst>
-                                          <p:attrName>style.visibility</p:attrName>
-                                        </p:attrNameLst>
-                                      </p:cBhvr>
-                                      <p:to>
-                                        <p:strVal val="visible"/>
-                                      </p:to>
-                                    </p:set>
-                                    <p:animEffect transition="in" filter="fade">
-                                      <p:cBhvr>
-                                        <p:cTn id="32" dur="500"/>
-                                        <p:tgtEl>
-                                          <p:spTgt spid="7"/>
-                                        </p:tgtEl>
-                                      </p:cBhvr>
-                                    </p:animEffect>
-                                  </p:childTnLst>
-                                </p:cTn>
-                              </p:par>
-                            </p:childTnLst>
-                          </p:cTn>
-                        </p:par>
-                      </p:childTnLst>
-                    </p:cTn>
-                  </p:par>
-                  <p:par>
-                    <p:cTn id="33" fill="hold">
-                      <p:stCondLst>
-                        <p:cond delay="indefinite"/>
-                      </p:stCondLst>
-                      <p:childTnLst>
-                        <p:par>
-                          <p:cTn id="34" fill="hold">
-                            <p:stCondLst>
-                              <p:cond delay="0"/>
-                            </p:stCondLst>
-                            <p:childTnLst>
-                              <p:par>
-                                <p:cTn id="35" presetID="10" presetClass="entr" presetSubtype="0" fill="hold" grpId="0" nodeType="clickEffect">
-                                  <p:stCondLst>
-                                    <p:cond delay="0"/>
-                                  </p:stCondLst>
-                                  <p:childTnLst>
-                                    <p:set>
-                                      <p:cBhvr>
-                                        <p:cTn id="36" dur="1" fill="hold">
-                                          <p:stCondLst>
-                                            <p:cond delay="0"/>
-                                          </p:stCondLst>
-                                        </p:cTn>
-                                        <p:tgtEl>
-                                          <p:spTgt spid="8"/>
-                                        </p:tgtEl>
-                                        <p:attrNameLst>
-                                          <p:attrName>style.visibility</p:attrName>
-                                        </p:attrNameLst>
-                                      </p:cBhvr>
-                                      <p:to>
-                                        <p:strVal val="visible"/>
-                                      </p:to>
-                                    </p:set>
-                                    <p:animEffect transition="in" filter="fade">
-                                      <p:cBhvr>
-                                        <p:cTn id="37" dur="500"/>
-                                        <p:tgtEl>
-                                          <p:spTgt spid="8"/>
-                                        </p:tgtEl>
-                                      </p:cBhvr>
-                                    </p:animEffect>
-                                  </p:childTnLst>
-                                </p:cTn>
-                              </p:par>
-                            </p:childTnLst>
-                          </p:cTn>
-                        </p:par>
-                      </p:childTnLst>
-                    </p:cTn>
-                  </p:par>
-                  <p:par>
-                    <p:cTn id="38" fill="hold">
-                      <p:stCondLst>
-                        <p:cond delay="indefinite"/>
-                      </p:stCondLst>
-                      <p:childTnLst>
-                        <p:par>
-                          <p:cTn id="39" fill="hold">
-                            <p:stCondLst>
-                              <p:cond delay="0"/>
-                            </p:stCondLst>
-                            <p:childTnLst>
-                              <p:par>
-                                <p:cTn id="40" presetID="10" presetClass="entr" presetSubtype="0" fill="hold" grpId="0" nodeType="clickEffect">
-                                  <p:stCondLst>
-                                    <p:cond delay="0"/>
-                                  </p:stCondLst>
-                                  <p:childTnLst>
-                                    <p:set>
-                                      <p:cBhvr>
-                                        <p:cTn id="41" dur="1" fill="hold">
-                                          <p:stCondLst>
-                                            <p:cond delay="0"/>
-                                          </p:stCondLst>
-                                        </p:cTn>
-                                        <p:tgtEl>
-                                          <p:spTgt spid="9"/>
-                                        </p:tgtEl>
-                                        <p:attrNameLst>
-                                          <p:attrName>style.visibility</p:attrName>
-                                        </p:attrNameLst>
-                                      </p:cBhvr>
-                                      <p:to>
-                                        <p:strVal val="visible"/>
-                                      </p:to>
-                                    </p:set>
-                                    <p:animEffect transition="in" filter="fade">
-                                      <p:cBhvr>
-                                        <p:cTn id="42" dur="500"/>
-                                        <p:tgtEl>
-                                          <p:spTgt spid="9"/>
-                                        </p:tgtEl>
-                                      </p:cBhvr>
-                                    </p:animEffect>
-                                  </p:childTnLst>
-                                </p:cTn>
-                              </p:par>
-                            </p:childTnLst>
-                          </p:cTn>
-                        </p:par>
-                      </p:childTnLst>
-                    </p:cTn>
-                  </p:par>
-                  <p:par>
-                    <p:cTn id="43" fill="hold">
-                      <p:stCondLst>
-                        <p:cond delay="indefinite"/>
-                      </p:stCondLst>
-                      <p:childTnLst>
-                        <p:par>
-                          <p:cTn id="44" fill="hold">
-                            <p:stCondLst>
-                              <p:cond delay="0"/>
-                            </p:stCondLst>
-                            <p:childTnLst>
-                              <p:par>
-                                <p:cTn id="45" presetID="10" presetClass="entr" presetSubtype="0" fill="hold" grpId="0" nodeType="clickEffect">
-                                  <p:stCondLst>
-                                    <p:cond delay="0"/>
-                                  </p:stCondLst>
-                                  <p:childTnLst>
-                                    <p:set>
-                                      <p:cBhvr>
-                                        <p:cTn id="46" dur="1" fill="hold">
-                                          <p:stCondLst>
-                                            <p:cond delay="0"/>
-                                          </p:stCondLst>
-                                        </p:cTn>
-                                        <p:tgtEl>
                                           <p:spTgt spid="5"/>
-                                        </p:tgtEl>
-                                        <p:attrNameLst>
-                                          <p:attrName>style.visibility</p:attrName>
-                                        </p:attrNameLst>
-                                      </p:cBhvr>
-                                      <p:to>
-                                        <p:strVal val="visible"/>
-                                      </p:to>
-                                    </p:set>
-                                    <p:animEffect transition="in" filter="fade">
-                                      <p:cBhvr>
-                                        <p:cTn id="47" dur="500"/>
-                                        <p:tgtEl>
-                                          <p:spTgt spid="5"/>
-                                        </p:tgtEl>
-                                      </p:cBhvr>
-                                    </p:animEffect>
-                                  </p:childTnLst>
-                                </p:cTn>
-                              </p:par>
-                            </p:childTnLst>
-                          </p:cTn>
-                        </p:par>
-                      </p:childTnLst>
-                    </p:cTn>
-                  </p:par>
-                  <p:par>
-                    <p:cTn id="48" fill="hold">
-                      <p:stCondLst>
-                        <p:cond delay="indefinite"/>
-                      </p:stCondLst>
-                      <p:childTnLst>
-                        <p:par>
-                          <p:cTn id="49" fill="hold">
-                            <p:stCondLst>
-                              <p:cond delay="0"/>
-                            </p:stCondLst>
-                            <p:childTnLst>
-                              <p:par>
-                                <p:cTn id="50" presetID="10" presetClass="entr" presetSubtype="0" fill="hold" nodeType="clickEffect">
-                                  <p:stCondLst>
-                                    <p:cond delay="0"/>
-                                  </p:stCondLst>
-                                  <p:childTnLst>
-                                    <p:set>
-                                      <p:cBhvr>
-                                        <p:cTn id="51" dur="1" fill="hold">
-                                          <p:stCondLst>
-                                            <p:cond delay="0"/>
-                                          </p:stCondLst>
-                                        </p:cTn>
-                                        <p:tgtEl>
-                                          <p:spTgt spid="5">
-                                            <p:txEl>
-                                              <p:pRg st="0" end="0"/>
-                                            </p:txEl>
-                                          </p:spTgt>
-                                        </p:tgtEl>
-                                        <p:attrNameLst>
-                                          <p:attrName>style.visibility</p:attrName>
-                                        </p:attrNameLst>
-                                      </p:cBhvr>
-                                      <p:to>
-                                        <p:strVal val="visible"/>
-                                      </p:to>
-                                    </p:set>
-                                    <p:animEffect transition="in" filter="fade">
-                                      <p:cBhvr>
-                                        <p:cTn id="52" dur="500"/>
-                                        <p:tgtEl>
-                                          <p:spTgt spid="5">
-                                            <p:txEl>
-                                              <p:pRg st="0" end="0"/>
-                                            </p:txEl>
-                                          </p:spTgt>
-                                        </p:tgtEl>
-                                      </p:cBhvr>
-                                    </p:animEffect>
-                                  </p:childTnLst>
-                                </p:cTn>
-                              </p:par>
-                            </p:childTnLst>
-                          </p:cTn>
-                        </p:par>
-                      </p:childTnLst>
-                    </p:cTn>
-                  </p:par>
-                  <p:par>
-                    <p:cTn id="53" fill="hold">
-                      <p:stCondLst>
-                        <p:cond delay="indefinite"/>
-                      </p:stCondLst>
-                      <p:childTnLst>
-                        <p:par>
-                          <p:cTn id="54" fill="hold">
-                            <p:stCondLst>
-                              <p:cond delay="0"/>
-                            </p:stCondLst>
-                            <p:childTnLst>
-                              <p:par>
-                                <p:cTn id="55" presetID="10" presetClass="entr" presetSubtype="0" fill="hold" grpId="0" nodeType="clickEffect">
-                                  <p:stCondLst>
-                                    <p:cond delay="0"/>
-                                  </p:stCondLst>
-                                  <p:childTnLst>
-                                    <p:set>
-                                      <p:cBhvr>
-                                        <p:cTn id="56" dur="1" fill="hold">
-                                          <p:stCondLst>
-                                            <p:cond delay="0"/>
-                                          </p:stCondLst>
-                                        </p:cTn>
-                                        <p:tgtEl>
-                                          <p:spTgt spid="11"/>
-                                        </p:tgtEl>
-                                        <p:attrNameLst>
-                                          <p:attrName>style.visibility</p:attrName>
-                                        </p:attrNameLst>
-                                      </p:cBhvr>
-                                      <p:to>
-                                        <p:strVal val="visible"/>
-                                      </p:to>
-                                    </p:set>
-                                    <p:animEffect transition="in" filter="fade">
-                                      <p:cBhvr>
-                                        <p:cTn id="57" dur="500"/>
-                                        <p:tgtEl>
-                                          <p:spTgt spid="11"/>
-                                        </p:tgtEl>
-                                      </p:cBhvr>
-                                    </p:animEffect>
-                                  </p:childTnLst>
-                                </p:cTn>
-                              </p:par>
-                            </p:childTnLst>
-                          </p:cTn>
-                        </p:par>
-                      </p:childTnLst>
-                    </p:cTn>
-                  </p:par>
-                  <p:par>
-                    <p:cTn id="58" fill="hold">
-                      <p:stCondLst>
-                        <p:cond delay="indefinite"/>
-                      </p:stCondLst>
-                      <p:childTnLst>
-                        <p:par>
-                          <p:cTn id="59" fill="hold">
-                            <p:stCondLst>
-                              <p:cond delay="0"/>
-                            </p:stCondLst>
-                            <p:childTnLst>
-                              <p:par>
-                                <p:cTn id="60" presetID="10" presetClass="entr" presetSubtype="0" fill="hold" grpId="0" nodeType="clickEffect">
-                                  <p:stCondLst>
-                                    <p:cond delay="0"/>
-                                  </p:stCondLst>
-                                  <p:childTnLst>
-                                    <p:set>
-                                      <p:cBhvr>
-                                        <p:cTn id="61" dur="1" fill="hold">
-                                          <p:stCondLst>
-                                            <p:cond delay="0"/>
-                                          </p:stCondLst>
-                                        </p:cTn>
-                                        <p:tgtEl>
-                                          <p:spTgt spid="12"/>
-                                        </p:tgtEl>
-                                        <p:attrNameLst>
-                                          <p:attrName>style.visibility</p:attrName>
-                                        </p:attrNameLst>
-                                      </p:cBhvr>
-                                      <p:to>
-                                        <p:strVal val="visible"/>
-                                      </p:to>
-                                    </p:set>
-                                    <p:animEffect transition="in" filter="fade">
-                                      <p:cBhvr>
-                                        <p:cTn id="62" dur="500"/>
-                                        <p:tgtEl>
-                                          <p:spTgt spid="12"/>
-                                        </p:tgtEl>
-                                      </p:cBhvr>
-                                    </p:animEffect>
-                                  </p:childTnLst>
-                                </p:cTn>
-                              </p:par>
-                            </p:childTnLst>
-                          </p:cTn>
-                        </p:par>
-                      </p:childTnLst>
-                    </p:cTn>
-                  </p:par>
-                  <p:par>
-                    <p:cTn id="63" fill="hold">
-                      <p:stCondLst>
-                        <p:cond delay="indefinite"/>
-                      </p:stCondLst>
-                      <p:childTnLst>
-                        <p:par>
-                          <p:cTn id="64" fill="hold">
-                            <p:stCondLst>
-                              <p:cond delay="0"/>
-                            </p:stCondLst>
-                            <p:childTnLst>
-                              <p:par>
-                                <p:cTn id="65" presetID="10" presetClass="entr" presetSubtype="0" fill="hold" nodeType="clickEffect">
-                                  <p:stCondLst>
-                                    <p:cond delay="0"/>
-                                  </p:stCondLst>
-                                  <p:childTnLst>
-                                    <p:set>
-                                      <p:cBhvr>
-                                        <p:cTn id="66" dur="1" fill="hold">
-                                          <p:stCondLst>
-                                            <p:cond delay="0"/>
-                                          </p:stCondLst>
-                                        </p:cTn>
-                                        <p:tgtEl>
-                                          <p:spTgt spid="12">
-                                            <p:txEl>
-                                              <p:pRg st="0" end="0"/>
-                                            </p:txEl>
-                                          </p:spTgt>
-                                        </p:tgtEl>
-                                        <p:attrNameLst>
-                                          <p:attrName>style.visibility</p:attrName>
-                                        </p:attrNameLst>
-                                      </p:cBhvr>
-                                      <p:to>
-                                        <p:strVal val="visible"/>
-                                      </p:to>
-                                    </p:set>
-                                    <p:animEffect transition="in" filter="fade">
-                                      <p:cBhvr>
-                                        <p:cTn id="67" dur="500"/>
-                                        <p:tgtEl>
-                                          <p:spTgt spid="12">
-                                            <p:txEl>
-                                              <p:pRg st="0" end="0"/>
-                                            </p:txEl>
-                                          </p:spTgt>
-                                        </p:tgtEl>
-                                      </p:cBhvr>
-                                    </p:animEffect>
-                                  </p:childTnLst>
-                                </p:cTn>
-                              </p:par>
-                            </p:childTnLst>
-                          </p:cTn>
-                        </p:par>
-                      </p:childTnLst>
-                    </p:cTn>
-                  </p:par>
-                </p:childTnLst>
-              </p:cTn>
-              <p:prevCondLst>
-                <p:cond evt="onPrev" delay="0">
-                  <p:tgtEl>
-                    <p:sldTgt/>
-                  </p:tgtEl>
-                </p:cond>
-              </p:prevCondLst>
-              <p:nextCondLst>
-                <p:cond evt="onNext" delay="0">
-                  <p:tgtEl>
-                    <p:sldTgt/>
-                  </p:tgtEl>
-                </p:cond>
-              </p:nextCondLst>
-            </p:seq>
-          </p:childTnLst>
-        </p:cTn>
-      </p:par>
-    </p:tnLst>
-    <p:bldLst>
-      <p:bldP spid="6" grpId="0" animBg="1"/>
-      <p:bldP spid="7" grpId="0" animBg="1"/>
-      <p:bldP spid="8" grpId="0" animBg="1"/>
-      <p:bldP spid="9" grpId="0" animBg="1"/>
-      <p:bldP spid="5" grpId="0"/>
-      <p:bldP spid="11" grpId="0" animBg="1"/>
-      <p:bldP spid="12" grpId="0"/>
-      <p:bldP spid="13" grpId="0" animBg="1"/>
-      <p:bldP spid="14" grpId="0"/>
-    </p:bldLst>
-  </p:timing>
-</p:sld>
-</file>
-
-<file path=ppt/slides/slide4.xml><?xml version="1.0" encoding="utf-8"?>
-<p:sld xmlns:a="http://schemas.openxmlformats.org/drawingml/2006/main" xmlns:r="http://schemas.openxmlformats.org/officeDocument/2006/relationships" xmlns:p="http://schemas.openxmlformats.org/presentationml/2006/main">
-  <p:cSld>
-    <p:spTree>
-      <p:nvGrpSpPr>
-        <p:cNvPr id="1" name=""/>
-        <p:cNvGrpSpPr/>
-        <p:nvPr/>
-      </p:nvGrpSpPr>
-      <p:grpSpPr>
-        <a:xfrm>
-          <a:off x="0" y="0"/>
-          <a:ext cx="0" cy="0"/>
-          <a:chOff x="0" y="0"/>
-          <a:chExt cx="0" cy="0"/>
-        </a:xfrm>
-      </p:grpSpPr>
-      <p:sp>
-        <p:nvSpPr>
-          <p:cNvPr id="3" name="제목 2"/>
-          <p:cNvSpPr>
-            <a:spLocks noGrp="1"/>
-          </p:cNvSpPr>
-          <p:nvPr>
-            <p:ph type="title"/>
-          </p:nvPr>
-        </p:nvSpPr>
-        <p:spPr/>
-        <p:txBody>
-          <a:bodyPr/>
-          <a:lstStyle/>
-          <a:p>
-            <a:r>
-              <a:rPr lang="en-US" altLang="ko-KR" dirty="0" smtClean="0"/>
-              <a:t>Content loss</a:t>
-            </a:r>
-            <a:endParaRPr lang="ko-KR" altLang="en-US" dirty="0"/>
-          </a:p>
-        </p:txBody>
-      </p:sp>
-      <p:sp>
-        <p:nvSpPr>
-          <p:cNvPr id="4" name="슬라이드 번호 개체 틀 3"/>
-          <p:cNvSpPr>
-            <a:spLocks noGrp="1"/>
-          </p:cNvSpPr>
-          <p:nvPr>
-            <p:ph type="sldNum" sz="quarter" idx="12"/>
-          </p:nvPr>
-        </p:nvSpPr>
-        <p:spPr/>
-        <p:txBody>
-          <a:bodyPr/>
-          <a:lstStyle/>
-          <a:p>
-            <a:fld id="{4CA1D5AE-3018-49FC-B3E0-A1E0E9567469}" type="slidenum">
-              <a:rPr lang="ko-KR" altLang="en-US" smtClean="0"/>
-              <a:pPr/>
-              <a:t>4</a:t>
-            </a:fld>
-            <a:endParaRPr lang="ko-KR" altLang="en-US"/>
-          </a:p>
-        </p:txBody>
-      </p:sp>
-      <p:pic>
-        <p:nvPicPr>
-          <p:cNvPr id="3074" name="Picture 2"/>
-          <p:cNvPicPr>
-            <a:picLocks noChangeAspect="1" noChangeArrowheads="1"/>
-          </p:cNvPicPr>
-          <p:nvPr/>
-        </p:nvPicPr>
-        <p:blipFill>
-          <a:blip r:embed="rId2">
-            <a:extLst>
-              <a:ext uri="{28A0092B-C50C-407E-A947-70E740481C1C}">
-                <a14:useLocalDpi xmlns:a14="http://schemas.microsoft.com/office/drawing/2010/main" val="0"/>
-              </a:ext>
-            </a:extLst>
-          </a:blip>
-          <a:srcRect/>
-          <a:stretch>
-            <a:fillRect/>
-          </a:stretch>
-        </p:blipFill>
-        <p:spPr bwMode="auto">
-          <a:xfrm>
-            <a:off x="828675" y="2876550"/>
-            <a:ext cx="7486650" cy="1104900"/>
-          </a:xfrm>
-          <a:prstGeom prst="rect">
-            <a:avLst/>
-          </a:prstGeom>
-          <a:noFill/>
-          <a:ln>
-            <a:noFill/>
-          </a:ln>
-          <a:extLst>
-            <a:ext uri="{909E8E84-426E-40DD-AFC4-6F175D3DCCD1}">
-              <a14:hiddenFill xmlns:a14="http://schemas.microsoft.com/office/drawing/2010/main">
-                <a:solidFill>
-                  <a:schemeClr val="accent1"/>
-                </a:solidFill>
-              </a14:hiddenFill>
-            </a:ext>
-            <a:ext uri="{91240B29-F687-4F45-9708-019B960494DF}">
-              <a14:hiddenLine xmlns:a14="http://schemas.microsoft.com/office/drawing/2010/main" w="9525">
-                <a:solidFill>
-                  <a:schemeClr val="tx1"/>
-                </a:solidFill>
-                <a:miter lim="800000"/>
-                <a:headEnd/>
-                <a:tailEnd/>
-              </a14:hiddenLine>
-            </a:ext>
-          </a:extLst>
-        </p:spPr>
-      </p:pic>
-      <p:sp>
-        <p:nvSpPr>
-          <p:cNvPr id="6" name="직사각형 5"/>
-          <p:cNvSpPr/>
-          <p:nvPr/>
-        </p:nvSpPr>
-        <p:spPr>
-          <a:xfrm>
-            <a:off x="5156498" y="3139088"/>
-            <a:ext cx="1610062" cy="282292"/>
-          </a:xfrm>
-          <a:prstGeom prst="rect">
-            <a:avLst/>
-          </a:prstGeom>
-          <a:noFill/>
-          <a:ln w="19050">
-            <a:solidFill>
-              <a:srgbClr val="FF0000"/>
-            </a:solidFill>
-            <a:prstDash val="dash"/>
-          </a:ln>
-        </p:spPr>
-        <p:style>
-          <a:lnRef idx="2">
-            <a:schemeClr val="accent1">
-              <a:shade val="50000"/>
-            </a:schemeClr>
-          </a:lnRef>
-          <a:fillRef idx="1">
-            <a:schemeClr val="accent1"/>
-          </a:fillRef>
-          <a:effectRef idx="0">
-            <a:schemeClr val="accent1"/>
-          </a:effectRef>
-          <a:fontRef idx="minor">
-            <a:schemeClr val="lt1"/>
-          </a:fontRef>
-        </p:style>
-        <p:txBody>
-          <a:bodyPr rot="0" spcFirstLastPara="0" vertOverflow="overflow" horzOverflow="overflow" vert="horz" wrap="square" lIns="91440" tIns="45720" rIns="91440" bIns="45720" numCol="1" spcCol="0" rtlCol="0" fromWordArt="0" anchor="ctr" anchorCtr="0" forceAA="0" compatLnSpc="1">
-            <a:prstTxWarp prst="textNoShape">
-              <a:avLst/>
-            </a:prstTxWarp>
-            <a:noAutofit/>
-          </a:bodyPr>
-          <a:lstStyle/>
-          <a:p>
-            <a:pPr algn="ctr"/>
-            <a:endParaRPr lang="ko-KR" altLang="en-US" dirty="0" smtClean="0">
-              <a:solidFill>
-                <a:schemeClr val="tx1"/>
-              </a:solidFill>
-            </a:endParaRPr>
-          </a:p>
-        </p:txBody>
-      </p:sp>
-    </p:spTree>
-    <p:extLst>
-      <p:ext uri="{BB962C8B-B14F-4D97-AF65-F5344CB8AC3E}">
-        <p14:creationId xmlns:p14="http://schemas.microsoft.com/office/powerpoint/2010/main" val="1950733374"/>
-      </p:ext>
-    </p:extLst>
-  </p:cSld>
-  <p:clrMapOvr>
-    <a:masterClrMapping/>
-  </p:clrMapOvr>
-  <p:timing>
-    <p:tnLst>
-      <p:par>
-        <p:cTn id="1" dur="indefinite" restart="never" nodeType="tmRoot">
-          <p:childTnLst>
-            <p:seq concurrent="1" nextAc="seek">
-              <p:cTn id="2" dur="indefinite" nodeType="mainSeq">
-                <p:childTnLst>
-                  <p:par>
-                    <p:cTn id="3" fill="hold">
-                      <p:stCondLst>
-                        <p:cond delay="indefinite"/>
-                      </p:stCondLst>
-                      <p:childTnLst>
-                        <p:par>
-                          <p:cTn id="4" fill="hold">
-                            <p:stCondLst>
-                              <p:cond delay="0"/>
-                            </p:stCondLst>
-                            <p:childTnLst>
-                              <p:par>
-                                <p:cTn id="5" presetID="10" presetClass="entr" presetSubtype="0" fill="hold" nodeType="clickEffect">
-                                  <p:stCondLst>
-                                    <p:cond delay="0"/>
-                                  </p:stCondLst>
-                                  <p:childTnLst>
-                                    <p:set>
-                                      <p:cBhvr>
-                                        <p:cTn id="6" dur="1" fill="hold">
-                                          <p:stCondLst>
-                                            <p:cond delay="0"/>
-                                          </p:stCondLst>
-                                        </p:cTn>
-                                        <p:tgtEl>
-                                          <p:spTgt spid="3074"/>
-                                        </p:tgtEl>
-                                        <p:attrNameLst>
-                                          <p:attrName>style.visibility</p:attrName>
-                                        </p:attrNameLst>
-                                      </p:cBhvr>
-                                      <p:to>
-                                        <p:strVal val="visible"/>
-                                      </p:to>
-                                    </p:set>
-                                    <p:animEffect transition="in" filter="fade">
-                                      <p:cBhvr>
-                                        <p:cTn id="7" dur="500"/>
-                                        <p:tgtEl>
-                                          <p:spTgt spid="3074"/>
-                                        </p:tgtEl>
-                                      </p:cBhvr>
-                                    </p:animEffect>
-                                  </p:childTnLst>
-                                </p:cTn>
-                              </p:par>
-                            </p:childTnLst>
-                          </p:cTn>
-                        </p:par>
-                      </p:childTnLst>
-                    </p:cTn>
-                  </p:par>
-                  <p:par>
-                    <p:cTn id="8" fill="hold">
-                      <p:stCondLst>
-                        <p:cond delay="indefinite"/>
-                      </p:stCondLst>
-                      <p:childTnLst>
-                        <p:par>
-                          <p:cTn id="9" fill="hold">
-                            <p:stCondLst>
-                              <p:cond delay="0"/>
-                            </p:stCondLst>
-                            <p:childTnLst>
-                              <p:par>
-                                <p:cTn id="10" presetID="10" presetClass="entr" presetSubtype="0" fill="hold" grpId="0" nodeType="clickEffect">
-                                  <p:stCondLst>
-                                    <p:cond delay="0"/>
-                                  </p:stCondLst>
-                                  <p:childTnLst>
-                                    <p:set>
-                                      <p:cBhvr>
-                                        <p:cTn id="11" dur="1" fill="hold">
-                                          <p:stCondLst>
-                                            <p:cond delay="0"/>
-                                          </p:stCondLst>
-                                        </p:cTn>
-                                        <p:tgtEl>
-                                          <p:spTgt spid="6"/>
-                                        </p:tgtEl>
-                                        <p:attrNameLst>
-                                          <p:attrName>style.visibility</p:attrName>
-                                        </p:attrNameLst>
-                                      </p:cBhvr>
-                                      <p:to>
-                                        <p:strVal val="visible"/>
-                                      </p:to>
-                                    </p:set>
-                                    <p:animEffect transition="in" filter="fade">
-                                      <p:cBhvr>
-                                        <p:cTn id="12" dur="500"/>
-                                        <p:tgtEl>
-                                          <p:spTgt spid="6"/>
-                                        </p:tgtEl>
-                                      </p:cBhvr>
-                                    </p:animEffect>
-                                  </p:childTnLst>
-                                </p:cTn>
-                              </p:par>
-                            </p:childTnLst>
-                          </p:cTn>
-                        </p:par>
-                      </p:childTnLst>
-                    </p:cTn>
-                  </p:par>
-                </p:childTnLst>
-              </p:cTn>
-              <p:prevCondLst>
-                <p:cond evt="onPrev" delay="0">
-                  <p:tgtEl>
-                    <p:sldTgt/>
-                  </p:tgtEl>
-                </p:cond>
-              </p:prevCondLst>
-              <p:nextCondLst>
-                <p:cond evt="onNext" delay="0">
-                  <p:tgtEl>
-                    <p:sldTgt/>
-                  </p:tgtEl>
-                </p:cond>
-              </p:nextCondLst>
-            </p:seq>
-          </p:childTnLst>
-        </p:cTn>
-      </p:par>
-    </p:tnLst>
-    <p:bldLst>
-      <p:bldP spid="6" grpId="0" animBg="1"/>
-    </p:bldLst>
-  </p:timing>
-</p:sld>
-</file>
-
-<file path=ppt/slides/slide5.xml><?xml version="1.0" encoding="utf-8"?>
-<p:sld xmlns:a="http://schemas.openxmlformats.org/drawingml/2006/main" xmlns:r="http://schemas.openxmlformats.org/officeDocument/2006/relationships" xmlns:p="http://schemas.openxmlformats.org/presentationml/2006/main">
-  <p:cSld>
-    <p:spTree>
-      <p:nvGrpSpPr>
-        <p:cNvPr id="1" name=""/>
-        <p:cNvGrpSpPr/>
-        <p:nvPr/>
-      </p:nvGrpSpPr>
-      <p:grpSpPr>
-        <a:xfrm>
-          <a:off x="0" y="0"/>
-          <a:ext cx="0" cy="0"/>
-          <a:chOff x="0" y="0"/>
-          <a:chExt cx="0" cy="0"/>
-        </a:xfrm>
-      </p:grpSpPr>
-      <p:sp>
-        <p:nvSpPr>
-          <p:cNvPr id="3" name="제목 2"/>
-          <p:cNvSpPr>
-            <a:spLocks noGrp="1"/>
-          </p:cNvSpPr>
-          <p:nvPr>
-            <p:ph type="title"/>
-          </p:nvPr>
-        </p:nvSpPr>
-        <p:spPr/>
-        <p:txBody>
-          <a:bodyPr/>
-          <a:lstStyle/>
-          <a:p>
-            <a:r>
-              <a:rPr lang="en-US" altLang="ko-KR" dirty="0" smtClean="0"/>
-              <a:t>Style loss</a:t>
-            </a:r>
-            <a:endParaRPr lang="ko-KR" altLang="en-US" dirty="0"/>
-          </a:p>
-        </p:txBody>
-      </p:sp>
-      <p:sp>
-        <p:nvSpPr>
-          <p:cNvPr id="4" name="슬라이드 번호 개체 틀 3"/>
-          <p:cNvSpPr>
-            <a:spLocks noGrp="1"/>
-          </p:cNvSpPr>
-          <p:nvPr>
-            <p:ph type="sldNum" sz="quarter" idx="12"/>
-          </p:nvPr>
-        </p:nvSpPr>
-        <p:spPr/>
-        <p:txBody>
-          <a:bodyPr/>
-          <a:lstStyle/>
-          <a:p>
-            <a:fld id="{4CA1D5AE-3018-49FC-B3E0-A1E0E9567469}" type="slidenum">
-              <a:rPr lang="ko-KR" altLang="en-US" smtClean="0"/>
-              <a:pPr/>
-              <a:t>5</a:t>
-            </a:fld>
-            <a:endParaRPr lang="ko-KR" altLang="en-US"/>
-          </a:p>
-        </p:txBody>
-      </p:sp>
-      <p:pic>
-        <p:nvPicPr>
-          <p:cNvPr id="4098" name="Picture 2"/>
-          <p:cNvPicPr>
-            <a:picLocks noChangeAspect="1" noChangeArrowheads="1"/>
-          </p:cNvPicPr>
-          <p:nvPr/>
-        </p:nvPicPr>
-        <p:blipFill>
-          <a:blip r:embed="rId2">
-            <a:extLst>
-              <a:ext uri="{28A0092B-C50C-407E-A947-70E740481C1C}">
-                <a14:useLocalDpi xmlns:a14="http://schemas.microsoft.com/office/drawing/2010/main" val="0"/>
-              </a:ext>
-            </a:extLst>
-          </a:blip>
-          <a:srcRect/>
-          <a:stretch>
-            <a:fillRect/>
-          </a:stretch>
-        </p:blipFill>
-        <p:spPr bwMode="auto">
-          <a:xfrm>
-            <a:off x="-1" y="1609725"/>
-            <a:ext cx="9095701" cy="3259435"/>
-          </a:xfrm>
-          <a:prstGeom prst="rect">
-            <a:avLst/>
-          </a:prstGeom>
-          <a:noFill/>
-          <a:ln>
-            <a:noFill/>
-          </a:ln>
-          <a:extLst>
-            <a:ext uri="{909E8E84-426E-40DD-AFC4-6F175D3DCCD1}">
-              <a14:hiddenFill xmlns:a14="http://schemas.microsoft.com/office/drawing/2010/main">
-                <a:solidFill>
-                  <a:schemeClr val="accent1"/>
-                </a:solidFill>
-              </a14:hiddenFill>
-            </a:ext>
-            <a:ext uri="{91240B29-F687-4F45-9708-019B960494DF}">
-              <a14:hiddenLine xmlns:a14="http://schemas.microsoft.com/office/drawing/2010/main" w="9525">
-                <a:solidFill>
-                  <a:schemeClr val="tx1"/>
-                </a:solidFill>
-                <a:miter lim="800000"/>
-                <a:headEnd/>
-                <a:tailEnd/>
-              </a14:hiddenLine>
-            </a:ext>
-          </a:extLst>
-        </p:spPr>
-      </p:pic>
-      <p:sp>
-        <p:nvSpPr>
-          <p:cNvPr id="6" name="직사각형 5"/>
-          <p:cNvSpPr/>
-          <p:nvPr/>
-        </p:nvSpPr>
-        <p:spPr>
-          <a:xfrm>
-            <a:off x="801668" y="3619148"/>
-            <a:ext cx="707092" cy="282292"/>
-          </a:xfrm>
-          <a:prstGeom prst="rect">
-            <a:avLst/>
-          </a:prstGeom>
-          <a:noFill/>
-          <a:ln w="19050">
-            <a:solidFill>
-              <a:srgbClr val="FF0000"/>
-            </a:solidFill>
-            <a:prstDash val="dash"/>
-          </a:ln>
-        </p:spPr>
-        <p:style>
-          <a:lnRef idx="2">
-            <a:schemeClr val="accent1">
-              <a:shade val="50000"/>
-            </a:schemeClr>
-          </a:lnRef>
-          <a:fillRef idx="1">
-            <a:schemeClr val="accent1"/>
-          </a:fillRef>
-          <a:effectRef idx="0">
-            <a:schemeClr val="accent1"/>
-          </a:effectRef>
-          <a:fontRef idx="minor">
-            <a:schemeClr val="lt1"/>
-          </a:fontRef>
-        </p:style>
-        <p:txBody>
-          <a:bodyPr rot="0" spcFirstLastPara="0" vertOverflow="overflow" horzOverflow="overflow" vert="horz" wrap="square" lIns="91440" tIns="45720" rIns="91440" bIns="45720" numCol="1" spcCol="0" rtlCol="0" fromWordArt="0" anchor="ctr" anchorCtr="0" forceAA="0" compatLnSpc="1">
-            <a:prstTxWarp prst="textNoShape">
-              <a:avLst/>
-            </a:prstTxWarp>
-            <a:noAutofit/>
-          </a:bodyPr>
-          <a:lstStyle/>
-          <a:p>
-            <a:pPr algn="ctr"/>
-            <a:endParaRPr lang="ko-KR" altLang="en-US" dirty="0" smtClean="0">
-              <a:solidFill>
-                <a:schemeClr val="tx1"/>
-              </a:solidFill>
-            </a:endParaRPr>
-          </a:p>
-        </p:txBody>
-      </p:sp>
-      <p:sp>
-        <p:nvSpPr>
-          <p:cNvPr id="7" name="직사각형 6"/>
-          <p:cNvSpPr/>
-          <p:nvPr/>
-        </p:nvSpPr>
-        <p:spPr>
-          <a:xfrm>
-            <a:off x="801668" y="3859178"/>
-            <a:ext cx="707092" cy="282292"/>
-          </a:xfrm>
-          <a:prstGeom prst="rect">
-            <a:avLst/>
-          </a:prstGeom>
-          <a:noFill/>
-          <a:ln w="19050">
-            <a:solidFill>
-              <a:srgbClr val="FF0000"/>
-            </a:solidFill>
-            <a:prstDash val="dash"/>
-          </a:ln>
-        </p:spPr>
-        <p:style>
-          <a:lnRef idx="2">
-            <a:schemeClr val="accent1">
-              <a:shade val="50000"/>
-            </a:schemeClr>
-          </a:lnRef>
-          <a:fillRef idx="1">
-            <a:schemeClr val="accent1"/>
-          </a:fillRef>
-          <a:effectRef idx="0">
-            <a:schemeClr val="accent1"/>
-          </a:effectRef>
-          <a:fontRef idx="minor">
-            <a:schemeClr val="lt1"/>
-          </a:fontRef>
-        </p:style>
-        <p:txBody>
-          <a:bodyPr rot="0" spcFirstLastPara="0" vertOverflow="overflow" horzOverflow="overflow" vert="horz" wrap="square" lIns="91440" tIns="45720" rIns="91440" bIns="45720" numCol="1" spcCol="0" rtlCol="0" fromWordArt="0" anchor="ctr" anchorCtr="0" forceAA="0" compatLnSpc="1">
-            <a:prstTxWarp prst="textNoShape">
-              <a:avLst/>
-            </a:prstTxWarp>
-            <a:noAutofit/>
-          </a:bodyPr>
-          <a:lstStyle/>
-          <a:p>
-            <a:pPr algn="ctr"/>
-            <a:endParaRPr lang="ko-KR" altLang="en-US" dirty="0" smtClean="0">
-              <a:solidFill>
-                <a:schemeClr val="tx1"/>
-              </a:solidFill>
-            </a:endParaRPr>
-          </a:p>
-        </p:txBody>
-      </p:sp>
-      <p:sp>
-        <p:nvSpPr>
-          <p:cNvPr id="8" name="직사각형 7"/>
-          <p:cNvSpPr/>
-          <p:nvPr/>
-        </p:nvSpPr>
-        <p:spPr>
-          <a:xfrm>
-            <a:off x="3365798" y="4331618"/>
-            <a:ext cx="3412192" cy="282292"/>
-          </a:xfrm>
-          <a:prstGeom prst="rect">
-            <a:avLst/>
-          </a:prstGeom>
-          <a:noFill/>
-          <a:ln w="19050">
-            <a:solidFill>
-              <a:srgbClr val="FF0000"/>
-            </a:solidFill>
-            <a:prstDash val="dash"/>
-          </a:ln>
-        </p:spPr>
-        <p:style>
-          <a:lnRef idx="2">
-            <a:schemeClr val="accent1">
-              <a:shade val="50000"/>
-            </a:schemeClr>
-          </a:lnRef>
-          <a:fillRef idx="1">
-            <a:schemeClr val="accent1"/>
-          </a:fillRef>
-          <a:effectRef idx="0">
-            <a:schemeClr val="accent1"/>
-          </a:effectRef>
-          <a:fontRef idx="minor">
-            <a:schemeClr val="lt1"/>
-          </a:fontRef>
-        </p:style>
-        <p:txBody>
-          <a:bodyPr rot="0" spcFirstLastPara="0" vertOverflow="overflow" horzOverflow="overflow" vert="horz" wrap="square" lIns="91440" tIns="45720" rIns="91440" bIns="45720" numCol="1" spcCol="0" rtlCol="0" fromWordArt="0" anchor="ctr" anchorCtr="0" forceAA="0" compatLnSpc="1">
-            <a:prstTxWarp prst="textNoShape">
-              <a:avLst/>
-            </a:prstTxWarp>
-            <a:noAutofit/>
-          </a:bodyPr>
-          <a:lstStyle/>
-          <a:p>
-            <a:pPr algn="ctr"/>
-            <a:endParaRPr lang="ko-KR" altLang="en-US" dirty="0" smtClean="0">
-              <a:solidFill>
-                <a:schemeClr val="tx1"/>
-              </a:solidFill>
-            </a:endParaRPr>
-          </a:p>
-        </p:txBody>
-      </p:sp>
-    </p:spTree>
-    <p:extLst>
-      <p:ext uri="{BB962C8B-B14F-4D97-AF65-F5344CB8AC3E}">
-        <p14:creationId xmlns:p14="http://schemas.microsoft.com/office/powerpoint/2010/main" val="2484852915"/>
-      </p:ext>
-    </p:extLst>
-  </p:cSld>
-  <p:clrMapOvr>
-    <a:masterClrMapping/>
-  </p:clrMapOvr>
-  <p:timing>
-    <p:tnLst>
-      <p:par>
-        <p:cTn id="1" dur="indefinite" restart="never" nodeType="tmRoot">
-          <p:childTnLst>
-            <p:seq concurrent="1" nextAc="seek">
-              <p:cTn id="2" dur="indefinite" nodeType="mainSeq">
-                <p:childTnLst>
-                  <p:par>
-                    <p:cTn id="3" fill="hold">
-                      <p:stCondLst>
-                        <p:cond delay="indefinite"/>
-                      </p:stCondLst>
-                      <p:childTnLst>
-                        <p:par>
-                          <p:cTn id="4" fill="hold">
-                            <p:stCondLst>
-                              <p:cond delay="0"/>
-                            </p:stCondLst>
-                            <p:childTnLst>
-                              <p:par>
-                                <p:cTn id="5" presetID="10" presetClass="entr" presetSubtype="0" fill="hold" grpId="0" nodeType="clickEffect">
-                                  <p:stCondLst>
-                                    <p:cond delay="0"/>
-                                  </p:stCondLst>
-                                  <p:childTnLst>
-                                    <p:set>
-                                      <p:cBhvr>
-                                        <p:cTn id="6" dur="1" fill="hold">
-                                          <p:stCondLst>
-                                            <p:cond delay="0"/>
-                                          </p:stCondLst>
-                                        </p:cTn>
-                                        <p:tgtEl>
-                                          <p:spTgt spid="6"/>
-                                        </p:tgtEl>
-                                        <p:attrNameLst>
-                                          <p:attrName>style.visibility</p:attrName>
-                                        </p:attrNameLst>
-                                      </p:cBhvr>
-                                      <p:to>
-                                        <p:strVal val="visible"/>
-                                      </p:to>
-                                    </p:set>
-                                    <p:animEffect transition="in" filter="fade">
-                                      <p:cBhvr>
-                                        <p:cTn id="7" dur="500"/>
-                                        <p:tgtEl>
-                                          <p:spTgt spid="6"/>
                                         </p:tgtEl>
                                       </p:cBhvr>
                                     </p:animEffect>
@@ -6271,6 +4486,430 @@
                       </p:childTnLst>
                     </p:cTn>
                   </p:par>
+                  <p:par>
+                    <p:cTn id="18" fill="hold">
+                      <p:stCondLst>
+                        <p:cond delay="indefinite"/>
+                      </p:stCondLst>
+                      <p:childTnLst>
+                        <p:par>
+                          <p:cTn id="19" fill="hold">
+                            <p:stCondLst>
+                              <p:cond delay="0"/>
+                            </p:stCondLst>
+                            <p:childTnLst>
+                              <p:par>
+                                <p:cTn id="20" presetID="10" presetClass="entr" presetSubtype="0" fill="hold" grpId="0" nodeType="clickEffect">
+                                  <p:stCondLst>
+                                    <p:cond delay="0"/>
+                                  </p:stCondLst>
+                                  <p:childTnLst>
+                                    <p:set>
+                                      <p:cBhvr>
+                                        <p:cTn id="21" dur="1" fill="hold">
+                                          <p:stCondLst>
+                                            <p:cond delay="0"/>
+                                          </p:stCondLst>
+                                        </p:cTn>
+                                        <p:tgtEl>
+                                          <p:spTgt spid="9"/>
+                                        </p:tgtEl>
+                                        <p:attrNameLst>
+                                          <p:attrName>style.visibility</p:attrName>
+                                        </p:attrNameLst>
+                                      </p:cBhvr>
+                                      <p:to>
+                                        <p:strVal val="visible"/>
+                                      </p:to>
+                                    </p:set>
+                                    <p:animEffect transition="in" filter="fade">
+                                      <p:cBhvr>
+                                        <p:cTn id="22" dur="500"/>
+                                        <p:tgtEl>
+                                          <p:spTgt spid="9"/>
+                                        </p:tgtEl>
+                                      </p:cBhvr>
+                                    </p:animEffect>
+                                  </p:childTnLst>
+                                </p:cTn>
+                              </p:par>
+                            </p:childTnLst>
+                          </p:cTn>
+                        </p:par>
+                      </p:childTnLst>
+                    </p:cTn>
+                  </p:par>
+                  <p:par>
+                    <p:cTn id="23" fill="hold">
+                      <p:stCondLst>
+                        <p:cond delay="indefinite"/>
+                      </p:stCondLst>
+                      <p:childTnLst>
+                        <p:par>
+                          <p:cTn id="24" fill="hold">
+                            <p:stCondLst>
+                              <p:cond delay="0"/>
+                            </p:stCondLst>
+                            <p:childTnLst>
+                              <p:par>
+                                <p:cTn id="25" presetID="10" presetClass="entr" presetSubtype="0" fill="hold" grpId="0" nodeType="clickEffect">
+                                  <p:stCondLst>
+                                    <p:cond delay="0"/>
+                                  </p:stCondLst>
+                                  <p:childTnLst>
+                                    <p:set>
+                                      <p:cBhvr>
+                                        <p:cTn id="26" dur="1" fill="hold">
+                                          <p:stCondLst>
+                                            <p:cond delay="0"/>
+                                          </p:stCondLst>
+                                        </p:cTn>
+                                        <p:tgtEl>
+                                          <p:spTgt spid="10"/>
+                                        </p:tgtEl>
+                                        <p:attrNameLst>
+                                          <p:attrName>style.visibility</p:attrName>
+                                        </p:attrNameLst>
+                                      </p:cBhvr>
+                                      <p:to>
+                                        <p:strVal val="visible"/>
+                                      </p:to>
+                                    </p:set>
+                                    <p:animEffect transition="in" filter="fade">
+                                      <p:cBhvr>
+                                        <p:cTn id="27" dur="500"/>
+                                        <p:tgtEl>
+                                          <p:spTgt spid="10"/>
+                                        </p:tgtEl>
+                                      </p:cBhvr>
+                                    </p:animEffect>
+                                  </p:childTnLst>
+                                </p:cTn>
+                              </p:par>
+                            </p:childTnLst>
+                          </p:cTn>
+                        </p:par>
+                      </p:childTnLst>
+                    </p:cTn>
+                  </p:par>
+                  <p:par>
+                    <p:cTn id="28" fill="hold">
+                      <p:stCondLst>
+                        <p:cond delay="indefinite"/>
+                      </p:stCondLst>
+                      <p:childTnLst>
+                        <p:par>
+                          <p:cTn id="29" fill="hold">
+                            <p:stCondLst>
+                              <p:cond delay="0"/>
+                            </p:stCondLst>
+                            <p:childTnLst>
+                              <p:par>
+                                <p:cTn id="30" presetID="10" presetClass="entr" presetSubtype="0" fill="hold" grpId="0" nodeType="clickEffect">
+                                  <p:stCondLst>
+                                    <p:cond delay="0"/>
+                                  </p:stCondLst>
+                                  <p:childTnLst>
+                                    <p:set>
+                                      <p:cBhvr>
+                                        <p:cTn id="31" dur="1" fill="hold">
+                                          <p:stCondLst>
+                                            <p:cond delay="0"/>
+                                          </p:stCondLst>
+                                        </p:cTn>
+                                        <p:tgtEl>
+                                          <p:spTgt spid="11"/>
+                                        </p:tgtEl>
+                                        <p:attrNameLst>
+                                          <p:attrName>style.visibility</p:attrName>
+                                        </p:attrNameLst>
+                                      </p:cBhvr>
+                                      <p:to>
+                                        <p:strVal val="visible"/>
+                                      </p:to>
+                                    </p:set>
+                                    <p:animEffect transition="in" filter="fade">
+                                      <p:cBhvr>
+                                        <p:cTn id="32" dur="500"/>
+                                        <p:tgtEl>
+                                          <p:spTgt spid="11"/>
+                                        </p:tgtEl>
+                                      </p:cBhvr>
+                                    </p:animEffect>
+                                  </p:childTnLst>
+                                </p:cTn>
+                              </p:par>
+                            </p:childTnLst>
+                          </p:cTn>
+                        </p:par>
+                      </p:childTnLst>
+                    </p:cTn>
+                  </p:par>
+                  <p:par>
+                    <p:cTn id="33" fill="hold">
+                      <p:stCondLst>
+                        <p:cond delay="indefinite"/>
+                      </p:stCondLst>
+                      <p:childTnLst>
+                        <p:par>
+                          <p:cTn id="34" fill="hold">
+                            <p:stCondLst>
+                              <p:cond delay="0"/>
+                            </p:stCondLst>
+                            <p:childTnLst>
+                              <p:par>
+                                <p:cTn id="35" presetID="10" presetClass="entr" presetSubtype="0" fill="hold" grpId="0" nodeType="clickEffect">
+                                  <p:stCondLst>
+                                    <p:cond delay="0"/>
+                                  </p:stCondLst>
+                                  <p:childTnLst>
+                                    <p:set>
+                                      <p:cBhvr>
+                                        <p:cTn id="36" dur="1" fill="hold">
+                                          <p:stCondLst>
+                                            <p:cond delay="0"/>
+                                          </p:stCondLst>
+                                        </p:cTn>
+                                        <p:tgtEl>
+                                          <p:spTgt spid="12"/>
+                                        </p:tgtEl>
+                                        <p:attrNameLst>
+                                          <p:attrName>style.visibility</p:attrName>
+                                        </p:attrNameLst>
+                                      </p:cBhvr>
+                                      <p:to>
+                                        <p:strVal val="visible"/>
+                                      </p:to>
+                                    </p:set>
+                                    <p:animEffect transition="in" filter="fade">
+                                      <p:cBhvr>
+                                        <p:cTn id="37" dur="500"/>
+                                        <p:tgtEl>
+                                          <p:spTgt spid="12"/>
+                                        </p:tgtEl>
+                                      </p:cBhvr>
+                                    </p:animEffect>
+                                  </p:childTnLst>
+                                </p:cTn>
+                              </p:par>
+                            </p:childTnLst>
+                          </p:cTn>
+                        </p:par>
+                      </p:childTnLst>
+                    </p:cTn>
+                  </p:par>
+                  <p:par>
+                    <p:cTn id="38" fill="hold">
+                      <p:stCondLst>
+                        <p:cond delay="indefinite"/>
+                      </p:stCondLst>
+                      <p:childTnLst>
+                        <p:par>
+                          <p:cTn id="39" fill="hold">
+                            <p:stCondLst>
+                              <p:cond delay="0"/>
+                            </p:stCondLst>
+                            <p:childTnLst>
+                              <p:par>
+                                <p:cTn id="40" presetID="10" presetClass="entr" presetSubtype="0" fill="hold" grpId="0" nodeType="clickEffect">
+                                  <p:stCondLst>
+                                    <p:cond delay="0"/>
+                                  </p:stCondLst>
+                                  <p:childTnLst>
+                                    <p:set>
+                                      <p:cBhvr>
+                                        <p:cTn id="41" dur="1" fill="hold">
+                                          <p:stCondLst>
+                                            <p:cond delay="0"/>
+                                          </p:stCondLst>
+                                        </p:cTn>
+                                        <p:tgtEl>
+                                          <p:spTgt spid="13"/>
+                                        </p:tgtEl>
+                                        <p:attrNameLst>
+                                          <p:attrName>style.visibility</p:attrName>
+                                        </p:attrNameLst>
+                                      </p:cBhvr>
+                                      <p:to>
+                                        <p:strVal val="visible"/>
+                                      </p:to>
+                                    </p:set>
+                                    <p:animEffect transition="in" filter="fade">
+                                      <p:cBhvr>
+                                        <p:cTn id="42" dur="500"/>
+                                        <p:tgtEl>
+                                          <p:spTgt spid="13"/>
+                                        </p:tgtEl>
+                                      </p:cBhvr>
+                                    </p:animEffect>
+                                  </p:childTnLst>
+                                </p:cTn>
+                              </p:par>
+                            </p:childTnLst>
+                          </p:cTn>
+                        </p:par>
+                      </p:childTnLst>
+                    </p:cTn>
+                  </p:par>
+                  <p:par>
+                    <p:cTn id="43" fill="hold">
+                      <p:stCondLst>
+                        <p:cond delay="indefinite"/>
+                      </p:stCondLst>
+                      <p:childTnLst>
+                        <p:par>
+                          <p:cTn id="44" fill="hold">
+                            <p:stCondLst>
+                              <p:cond delay="0"/>
+                            </p:stCondLst>
+                            <p:childTnLst>
+                              <p:par>
+                                <p:cTn id="45" presetID="10" presetClass="entr" presetSubtype="0" fill="hold" grpId="0" nodeType="clickEffect">
+                                  <p:stCondLst>
+                                    <p:cond delay="0"/>
+                                  </p:stCondLst>
+                                  <p:childTnLst>
+                                    <p:set>
+                                      <p:cBhvr>
+                                        <p:cTn id="46" dur="1" fill="hold">
+                                          <p:stCondLst>
+                                            <p:cond delay="0"/>
+                                          </p:stCondLst>
+                                        </p:cTn>
+                                        <p:tgtEl>
+                                          <p:spTgt spid="14"/>
+                                        </p:tgtEl>
+                                        <p:attrNameLst>
+                                          <p:attrName>style.visibility</p:attrName>
+                                        </p:attrNameLst>
+                                      </p:cBhvr>
+                                      <p:to>
+                                        <p:strVal val="visible"/>
+                                      </p:to>
+                                    </p:set>
+                                    <p:animEffect transition="in" filter="fade">
+                                      <p:cBhvr>
+                                        <p:cTn id="47" dur="500"/>
+                                        <p:tgtEl>
+                                          <p:spTgt spid="14"/>
+                                        </p:tgtEl>
+                                      </p:cBhvr>
+                                    </p:animEffect>
+                                  </p:childTnLst>
+                                </p:cTn>
+                              </p:par>
+                            </p:childTnLst>
+                          </p:cTn>
+                        </p:par>
+                      </p:childTnLst>
+                    </p:cTn>
+                  </p:par>
+                  <p:par>
+                    <p:cTn id="48" fill="hold">
+                      <p:stCondLst>
+                        <p:cond delay="indefinite"/>
+                      </p:stCondLst>
+                      <p:childTnLst>
+                        <p:par>
+                          <p:cTn id="49" fill="hold">
+                            <p:stCondLst>
+                              <p:cond delay="0"/>
+                            </p:stCondLst>
+                            <p:childTnLst>
+                              <p:par>
+                                <p:cTn id="50" presetID="10" presetClass="entr" presetSubtype="0" fill="hold" grpId="0" nodeType="clickEffect">
+                                  <p:stCondLst>
+                                    <p:cond delay="0"/>
+                                  </p:stCondLst>
+                                  <p:childTnLst>
+                                    <p:set>
+                                      <p:cBhvr>
+                                        <p:cTn id="51" dur="1" fill="hold">
+                                          <p:stCondLst>
+                                            <p:cond delay="0"/>
+                                          </p:stCondLst>
+                                        </p:cTn>
+                                        <p:tgtEl>
+                                          <p:spTgt spid="15"/>
+                                        </p:tgtEl>
+                                        <p:attrNameLst>
+                                          <p:attrName>style.visibility</p:attrName>
+                                        </p:attrNameLst>
+                                      </p:cBhvr>
+                                      <p:to>
+                                        <p:strVal val="visible"/>
+                                      </p:to>
+                                    </p:set>
+                                    <p:animEffect transition="in" filter="fade">
+                                      <p:cBhvr>
+                                        <p:cTn id="52" dur="500"/>
+                                        <p:tgtEl>
+                                          <p:spTgt spid="15"/>
+                                        </p:tgtEl>
+                                      </p:cBhvr>
+                                    </p:animEffect>
+                                  </p:childTnLst>
+                                </p:cTn>
+                              </p:par>
+                            </p:childTnLst>
+                          </p:cTn>
+                        </p:par>
+                      </p:childTnLst>
+                    </p:cTn>
+                  </p:par>
+                  <p:par>
+                    <p:cTn id="53" fill="hold">
+                      <p:stCondLst>
+                        <p:cond delay="indefinite"/>
+                      </p:stCondLst>
+                      <p:childTnLst>
+                        <p:par>
+                          <p:cTn id="54" fill="hold">
+                            <p:stCondLst>
+                              <p:cond delay="0"/>
+                            </p:stCondLst>
+                            <p:childTnLst>
+                              <p:par>
+                                <p:cTn id="55" presetID="10" presetClass="entr" presetSubtype="0" fill="hold" grpId="0" nodeType="clickEffect">
+                                  <p:stCondLst>
+                                    <p:cond delay="0"/>
+                                  </p:stCondLst>
+                                  <p:childTnLst>
+                                    <p:set>
+                                      <p:cBhvr>
+                                        <p:cTn id="56" dur="1" fill="hold">
+                                          <p:stCondLst>
+                                            <p:cond delay="0"/>
+                                          </p:stCondLst>
+                                        </p:cTn>
+                                        <p:tgtEl>
+                                          <p:spTgt spid="16"/>
+                                        </p:tgtEl>
+                                        <p:attrNameLst>
+                                          <p:attrName>style.visibility</p:attrName>
+                                        </p:attrNameLst>
+                                      </p:cBhvr>
+                                      <p:to>
+                                        <p:strVal val="visible"/>
+                                      </p:to>
+                                    </p:set>
+                                    <p:animEffect transition="in" filter="fade">
+                                      <p:cBhvr>
+                                        <p:cTn id="57" dur="500"/>
+                                        <p:tgtEl>
+                                          <p:spTgt spid="16"/>
+                                        </p:tgtEl>
+                                      </p:cBhvr>
+                                    </p:animEffect>
+                                  </p:childTnLst>
+                                </p:cTn>
+                              </p:par>
+                            </p:childTnLst>
+                          </p:cTn>
+                        </p:par>
+                      </p:childTnLst>
+                    </p:cTn>
+                  </p:par>
                 </p:childTnLst>
               </p:cTn>
               <p:prevCondLst>
@@ -6293,15 +4932,23 @@
       </p:par>
     </p:tnLst>
     <p:bldLst>
-      <p:bldP spid="6" grpId="0" animBg="1"/>
+      <p:bldP spid="5" grpId="0" animBg="1"/>
       <p:bldP spid="7" grpId="0" animBg="1"/>
       <p:bldP spid="8" grpId="0" animBg="1"/>
+      <p:bldP spid="9" grpId="0" animBg="1"/>
+      <p:bldP spid="10" grpId="0" animBg="1"/>
+      <p:bldP spid="11" grpId="0" animBg="1"/>
+      <p:bldP spid="12" grpId="0" animBg="1"/>
+      <p:bldP spid="13" grpId="0" animBg="1"/>
+      <p:bldP spid="14" grpId="0" animBg="1"/>
+      <p:bldP spid="15" grpId="0" animBg="1"/>
+      <p:bldP spid="16" grpId="0" animBg="1"/>
     </p:bldLst>
   </p:timing>
 </p:sld>
 </file>
 
-<file path=ppt/slides/slide6.xml><?xml version="1.0" encoding="utf-8"?>
+<file path=ppt/slides/slide3.xml><?xml version="1.0" encoding="utf-8"?>
 <p:sld xmlns:a="http://schemas.openxmlformats.org/drawingml/2006/main" xmlns:r="http://schemas.openxmlformats.org/officeDocument/2006/relationships" xmlns:p="http://schemas.openxmlformats.org/presentationml/2006/main">
   <p:cSld>
     <p:spTree>
@@ -6335,7 +4982,7 @@
           <a:p>
             <a:r>
               <a:rPr lang="en-US" altLang="ko-KR" dirty="0" smtClean="0"/>
-              <a:t>Regulator</a:t>
+              <a:t>Logistic Regression</a:t>
             </a:r>
             <a:endParaRPr lang="ko-KR" altLang="en-US" dirty="0"/>
           </a:p>
@@ -6359,7 +5006,7 @@
             <a:fld id="{4CA1D5AE-3018-49FC-B3E0-A1E0E9567469}" type="slidenum">
               <a:rPr lang="ko-KR" altLang="en-US" smtClean="0"/>
               <a:pPr/>
-              <a:t>6</a:t>
+              <a:t>3</a:t>
             </a:fld>
             <a:endParaRPr lang="ko-KR" altLang="en-US"/>
           </a:p>
@@ -6367,7 +5014,7 @@
       </p:sp>
       <p:pic>
         <p:nvPicPr>
-          <p:cNvPr id="5122" name="Picture 2"/>
+          <p:cNvPr id="2050" name="Picture 2"/>
           <p:cNvPicPr>
             <a:picLocks noChangeAspect="1" noChangeArrowheads="1"/>
           </p:cNvPicPr>
@@ -6388,8 +5035,571 @@
         </p:blipFill>
         <p:spPr bwMode="auto">
           <a:xfrm>
-            <a:off x="485775" y="2309813"/>
-            <a:ext cx="8172450" cy="2238375"/>
+            <a:off x="611560" y="1124744"/>
+            <a:ext cx="8064896" cy="5191819"/>
+          </a:xfrm>
+          <a:prstGeom prst="rect">
+            <a:avLst/>
+          </a:prstGeom>
+          <a:noFill/>
+          <a:ln>
+            <a:noFill/>
+          </a:ln>
+          <a:extLst>
+            <a:ext uri="{909E8E84-426E-40DD-AFC4-6F175D3DCCD1}">
+              <a14:hiddenFill xmlns:a14="http://schemas.microsoft.com/office/drawing/2010/main">
+                <a:solidFill>
+                  <a:schemeClr val="accent1"/>
+                </a:solidFill>
+              </a14:hiddenFill>
+            </a:ext>
+            <a:ext uri="{91240B29-F687-4F45-9708-019B960494DF}">
+              <a14:hiddenLine xmlns:a14="http://schemas.microsoft.com/office/drawing/2010/main" w="9525">
+                <a:solidFill>
+                  <a:schemeClr val="tx1"/>
+                </a:solidFill>
+                <a:miter lim="800000"/>
+                <a:headEnd/>
+                <a:tailEnd/>
+              </a14:hiddenLine>
+            </a:ext>
+          </a:extLst>
+        </p:spPr>
+      </p:pic>
+      <p:sp>
+        <p:nvSpPr>
+          <p:cNvPr id="5" name="TextBox 4"/>
+          <p:cNvSpPr txBox="1"/>
+          <p:nvPr/>
+        </p:nvSpPr>
+        <p:spPr>
+          <a:xfrm>
+            <a:off x="4648894" y="5854898"/>
+            <a:ext cx="4075155" cy="461665"/>
+          </a:xfrm>
+          <a:prstGeom prst="rect">
+            <a:avLst/>
+          </a:prstGeom>
+          <a:noFill/>
+        </p:spPr>
+        <p:txBody>
+          <a:bodyPr wrap="none" rtlCol="0">
+            <a:spAutoFit/>
+          </a:bodyPr>
+          <a:lstStyle/>
+          <a:p>
+            <a:r>
+              <a:rPr lang="en-US" altLang="ko-KR" sz="2400" b="1" dirty="0" smtClean="0">
+                <a:solidFill>
+                  <a:srgbClr val="FF0000"/>
+                </a:solidFill>
+              </a:rPr>
+              <a:t>91.8% Accuracy on MNIST</a:t>
+            </a:r>
+            <a:endParaRPr lang="ko-KR" altLang="en-US" sz="2400" b="1" dirty="0" smtClean="0">
+              <a:solidFill>
+                <a:srgbClr val="FF0000"/>
+              </a:solidFill>
+            </a:endParaRPr>
+          </a:p>
+        </p:txBody>
+      </p:sp>
+    </p:spTree>
+    <p:extLst>
+      <p:ext uri="{BB962C8B-B14F-4D97-AF65-F5344CB8AC3E}">
+        <p14:creationId xmlns:p14="http://schemas.microsoft.com/office/powerpoint/2010/main" val="561953274"/>
+      </p:ext>
+    </p:extLst>
+  </p:cSld>
+  <p:clrMapOvr>
+    <a:masterClrMapping/>
+  </p:clrMapOvr>
+  <p:timing>
+    <p:tnLst>
+      <p:par>
+        <p:cTn id="1" dur="indefinite" restart="never" nodeType="tmRoot">
+          <p:childTnLst>
+            <p:seq concurrent="1" nextAc="seek">
+              <p:cTn id="2" dur="indefinite" nodeType="mainSeq">
+                <p:childTnLst>
+                  <p:par>
+                    <p:cTn id="3" fill="hold">
+                      <p:stCondLst>
+                        <p:cond delay="indefinite"/>
+                      </p:stCondLst>
+                      <p:childTnLst>
+                        <p:par>
+                          <p:cTn id="4" fill="hold">
+                            <p:stCondLst>
+                              <p:cond delay="0"/>
+                            </p:stCondLst>
+                            <p:childTnLst>
+                              <p:par>
+                                <p:cTn id="5" presetID="10" presetClass="entr" presetSubtype="0" fill="hold" nodeType="clickEffect">
+                                  <p:stCondLst>
+                                    <p:cond delay="0"/>
+                                  </p:stCondLst>
+                                  <p:childTnLst>
+                                    <p:set>
+                                      <p:cBhvr>
+                                        <p:cTn id="6" dur="1" fill="hold">
+                                          <p:stCondLst>
+                                            <p:cond delay="0"/>
+                                          </p:stCondLst>
+                                        </p:cTn>
+                                        <p:tgtEl>
+                                          <p:spTgt spid="2050"/>
+                                        </p:tgtEl>
+                                        <p:attrNameLst>
+                                          <p:attrName>style.visibility</p:attrName>
+                                        </p:attrNameLst>
+                                      </p:cBhvr>
+                                      <p:to>
+                                        <p:strVal val="visible"/>
+                                      </p:to>
+                                    </p:set>
+                                    <p:animEffect transition="in" filter="fade">
+                                      <p:cBhvr>
+                                        <p:cTn id="7" dur="500"/>
+                                        <p:tgtEl>
+                                          <p:spTgt spid="2050"/>
+                                        </p:tgtEl>
+                                      </p:cBhvr>
+                                    </p:animEffect>
+                                  </p:childTnLst>
+                                </p:cTn>
+                              </p:par>
+                            </p:childTnLst>
+                          </p:cTn>
+                        </p:par>
+                      </p:childTnLst>
+                    </p:cTn>
+                  </p:par>
+                  <p:par>
+                    <p:cTn id="8" fill="hold">
+                      <p:stCondLst>
+                        <p:cond delay="indefinite"/>
+                      </p:stCondLst>
+                      <p:childTnLst>
+                        <p:par>
+                          <p:cTn id="9" fill="hold">
+                            <p:stCondLst>
+                              <p:cond delay="0"/>
+                            </p:stCondLst>
+                            <p:childTnLst>
+                              <p:par>
+                                <p:cTn id="10" presetID="10" presetClass="entr" presetSubtype="0" fill="hold" grpId="0" nodeType="clickEffect">
+                                  <p:stCondLst>
+                                    <p:cond delay="0"/>
+                                  </p:stCondLst>
+                                  <p:childTnLst>
+                                    <p:set>
+                                      <p:cBhvr>
+                                        <p:cTn id="11" dur="1" fill="hold">
+                                          <p:stCondLst>
+                                            <p:cond delay="0"/>
+                                          </p:stCondLst>
+                                        </p:cTn>
+                                        <p:tgtEl>
+                                          <p:spTgt spid="5"/>
+                                        </p:tgtEl>
+                                        <p:attrNameLst>
+                                          <p:attrName>style.visibility</p:attrName>
+                                        </p:attrNameLst>
+                                      </p:cBhvr>
+                                      <p:to>
+                                        <p:strVal val="visible"/>
+                                      </p:to>
+                                    </p:set>
+                                    <p:animEffect transition="in" filter="fade">
+                                      <p:cBhvr>
+                                        <p:cTn id="12" dur="500"/>
+                                        <p:tgtEl>
+                                          <p:spTgt spid="5"/>
+                                        </p:tgtEl>
+                                      </p:cBhvr>
+                                    </p:animEffect>
+                                  </p:childTnLst>
+                                </p:cTn>
+                              </p:par>
+                            </p:childTnLst>
+                          </p:cTn>
+                        </p:par>
+                      </p:childTnLst>
+                    </p:cTn>
+                  </p:par>
+                </p:childTnLst>
+              </p:cTn>
+              <p:prevCondLst>
+                <p:cond evt="onPrev" delay="0">
+                  <p:tgtEl>
+                    <p:sldTgt/>
+                  </p:tgtEl>
+                </p:cond>
+              </p:prevCondLst>
+              <p:nextCondLst>
+                <p:cond evt="onNext" delay="0">
+                  <p:tgtEl>
+                    <p:sldTgt/>
+                  </p:tgtEl>
+                </p:cond>
+              </p:nextCondLst>
+            </p:seq>
+          </p:childTnLst>
+        </p:cTn>
+      </p:par>
+    </p:tnLst>
+    <p:bldLst>
+      <p:bldP spid="5" grpId="0"/>
+    </p:bldLst>
+  </p:timing>
+</p:sld>
+</file>
+
+<file path=ppt/slides/slide4.xml><?xml version="1.0" encoding="utf-8"?>
+<p:sld xmlns:a="http://schemas.openxmlformats.org/drawingml/2006/main" xmlns:r="http://schemas.openxmlformats.org/officeDocument/2006/relationships" xmlns:p="http://schemas.openxmlformats.org/presentationml/2006/main">
+  <p:cSld>
+    <p:spTree>
+      <p:nvGrpSpPr>
+        <p:cNvPr id="1" name=""/>
+        <p:cNvGrpSpPr/>
+        <p:nvPr/>
+      </p:nvGrpSpPr>
+      <p:grpSpPr>
+        <a:xfrm>
+          <a:off x="0" y="0"/>
+          <a:ext cx="0" cy="0"/>
+          <a:chOff x="0" y="0"/>
+          <a:chExt cx="0" cy="0"/>
+        </a:xfrm>
+      </p:grpSpPr>
+      <p:sp>
+        <p:nvSpPr>
+          <p:cNvPr id="3" name="제목 2"/>
+          <p:cNvSpPr>
+            <a:spLocks noGrp="1"/>
+          </p:cNvSpPr>
+          <p:nvPr>
+            <p:ph type="title"/>
+          </p:nvPr>
+        </p:nvSpPr>
+        <p:spPr/>
+        <p:txBody>
+          <a:bodyPr/>
+          <a:lstStyle/>
+          <a:p>
+            <a:r>
+              <a:rPr lang="en-US" altLang="ko-KR" dirty="0" smtClean="0"/>
+              <a:t>Multi-layer Perceptron </a:t>
+            </a:r>
+            <a:endParaRPr lang="ko-KR" altLang="en-US" dirty="0"/>
+          </a:p>
+        </p:txBody>
+      </p:sp>
+      <p:sp>
+        <p:nvSpPr>
+          <p:cNvPr id="4" name="슬라이드 번호 개체 틀 3"/>
+          <p:cNvSpPr>
+            <a:spLocks noGrp="1"/>
+          </p:cNvSpPr>
+          <p:nvPr>
+            <p:ph type="sldNum" sz="quarter" idx="12"/>
+          </p:nvPr>
+        </p:nvSpPr>
+        <p:spPr/>
+        <p:txBody>
+          <a:bodyPr/>
+          <a:lstStyle/>
+          <a:p>
+            <a:fld id="{4CA1D5AE-3018-49FC-B3E0-A1E0E9567469}" type="slidenum">
+              <a:rPr lang="ko-KR" altLang="en-US" smtClean="0"/>
+              <a:pPr/>
+              <a:t>4</a:t>
+            </a:fld>
+            <a:endParaRPr lang="ko-KR" altLang="en-US"/>
+          </a:p>
+        </p:txBody>
+      </p:sp>
+      <p:pic>
+        <p:nvPicPr>
+          <p:cNvPr id="3074" name="Picture 2"/>
+          <p:cNvPicPr>
+            <a:picLocks noChangeAspect="1" noChangeArrowheads="1"/>
+          </p:cNvPicPr>
+          <p:nvPr/>
+        </p:nvPicPr>
+        <p:blipFill>
+          <a:blip r:embed="rId2">
+            <a:extLst>
+              <a:ext uri="{28A0092B-C50C-407E-A947-70E740481C1C}">
+                <a14:useLocalDpi xmlns:a14="http://schemas.microsoft.com/office/drawing/2010/main" val="0"/>
+              </a:ext>
+            </a:extLst>
+          </a:blip>
+          <a:srcRect/>
+          <a:stretch>
+            <a:fillRect/>
+          </a:stretch>
+        </p:blipFill>
+        <p:spPr bwMode="auto">
+          <a:xfrm>
+            <a:off x="922795" y="883313"/>
+            <a:ext cx="7249606" cy="5572536"/>
+          </a:xfrm>
+          <a:prstGeom prst="rect">
+            <a:avLst/>
+          </a:prstGeom>
+          <a:noFill/>
+          <a:ln>
+            <a:noFill/>
+          </a:ln>
+          <a:extLst>
+            <a:ext uri="{909E8E84-426E-40DD-AFC4-6F175D3DCCD1}">
+              <a14:hiddenFill xmlns:a14="http://schemas.microsoft.com/office/drawing/2010/main">
+                <a:solidFill>
+                  <a:schemeClr val="accent1"/>
+                </a:solidFill>
+              </a14:hiddenFill>
+            </a:ext>
+            <a:ext uri="{91240B29-F687-4F45-9708-019B960494DF}">
+              <a14:hiddenLine xmlns:a14="http://schemas.microsoft.com/office/drawing/2010/main" w="9525">
+                <a:solidFill>
+                  <a:schemeClr val="tx1"/>
+                </a:solidFill>
+                <a:miter lim="800000"/>
+                <a:headEnd/>
+                <a:tailEnd/>
+              </a14:hiddenLine>
+            </a:ext>
+          </a:extLst>
+        </p:spPr>
+      </p:pic>
+      <p:sp>
+        <p:nvSpPr>
+          <p:cNvPr id="6" name="TextBox 5"/>
+          <p:cNvSpPr txBox="1"/>
+          <p:nvPr/>
+        </p:nvSpPr>
+        <p:spPr>
+          <a:xfrm>
+            <a:off x="4648894" y="5994184"/>
+            <a:ext cx="4075155" cy="461665"/>
+          </a:xfrm>
+          <a:prstGeom prst="rect">
+            <a:avLst/>
+          </a:prstGeom>
+          <a:noFill/>
+        </p:spPr>
+        <p:txBody>
+          <a:bodyPr wrap="none" rtlCol="0">
+            <a:spAutoFit/>
+          </a:bodyPr>
+          <a:lstStyle/>
+          <a:p>
+            <a:r>
+              <a:rPr lang="en-US" altLang="ko-KR" sz="2400" b="1" dirty="0" smtClean="0">
+                <a:solidFill>
+                  <a:srgbClr val="FF0000"/>
+                </a:solidFill>
+              </a:rPr>
+              <a:t>97.1% Accuracy on MNIST</a:t>
+            </a:r>
+            <a:endParaRPr lang="ko-KR" altLang="en-US" sz="2400" b="1" dirty="0" smtClean="0">
+              <a:solidFill>
+                <a:srgbClr val="FF0000"/>
+              </a:solidFill>
+            </a:endParaRPr>
+          </a:p>
+        </p:txBody>
+      </p:sp>
+    </p:spTree>
+    <p:extLst>
+      <p:ext uri="{BB962C8B-B14F-4D97-AF65-F5344CB8AC3E}">
+        <p14:creationId xmlns:p14="http://schemas.microsoft.com/office/powerpoint/2010/main" val="3036104051"/>
+      </p:ext>
+    </p:extLst>
+  </p:cSld>
+  <p:clrMapOvr>
+    <a:masterClrMapping/>
+  </p:clrMapOvr>
+  <p:timing>
+    <p:tnLst>
+      <p:par>
+        <p:cTn id="1" dur="indefinite" restart="never" nodeType="tmRoot">
+          <p:childTnLst>
+            <p:seq concurrent="1" nextAc="seek">
+              <p:cTn id="2" dur="indefinite" nodeType="mainSeq">
+                <p:childTnLst>
+                  <p:par>
+                    <p:cTn id="3" fill="hold">
+                      <p:stCondLst>
+                        <p:cond delay="indefinite"/>
+                      </p:stCondLst>
+                      <p:childTnLst>
+                        <p:par>
+                          <p:cTn id="4" fill="hold">
+                            <p:stCondLst>
+                              <p:cond delay="0"/>
+                            </p:stCondLst>
+                            <p:childTnLst>
+                              <p:par>
+                                <p:cTn id="5" presetID="10" presetClass="entr" presetSubtype="0" fill="hold" grpId="0" nodeType="clickEffect">
+                                  <p:stCondLst>
+                                    <p:cond delay="0"/>
+                                  </p:stCondLst>
+                                  <p:childTnLst>
+                                    <p:set>
+                                      <p:cBhvr>
+                                        <p:cTn id="6" dur="1" fill="hold">
+                                          <p:stCondLst>
+                                            <p:cond delay="0"/>
+                                          </p:stCondLst>
+                                        </p:cTn>
+                                        <p:tgtEl>
+                                          <p:spTgt spid="6"/>
+                                        </p:tgtEl>
+                                        <p:attrNameLst>
+                                          <p:attrName>style.visibility</p:attrName>
+                                        </p:attrNameLst>
+                                      </p:cBhvr>
+                                      <p:to>
+                                        <p:strVal val="visible"/>
+                                      </p:to>
+                                    </p:set>
+                                    <p:animEffect transition="in" filter="fade">
+                                      <p:cBhvr>
+                                        <p:cTn id="7" dur="500"/>
+                                        <p:tgtEl>
+                                          <p:spTgt spid="6"/>
+                                        </p:tgtEl>
+                                      </p:cBhvr>
+                                    </p:animEffect>
+                                  </p:childTnLst>
+                                </p:cTn>
+                              </p:par>
+                            </p:childTnLst>
+                          </p:cTn>
+                        </p:par>
+                      </p:childTnLst>
+                    </p:cTn>
+                  </p:par>
+                </p:childTnLst>
+              </p:cTn>
+              <p:prevCondLst>
+                <p:cond evt="onPrev" delay="0">
+                  <p:tgtEl>
+                    <p:sldTgt/>
+                  </p:tgtEl>
+                </p:cond>
+              </p:prevCondLst>
+              <p:nextCondLst>
+                <p:cond evt="onNext" delay="0">
+                  <p:tgtEl>
+                    <p:sldTgt/>
+                  </p:tgtEl>
+                </p:cond>
+              </p:nextCondLst>
+            </p:seq>
+          </p:childTnLst>
+        </p:cTn>
+      </p:par>
+    </p:tnLst>
+    <p:bldLst>
+      <p:bldP spid="6" grpId="0"/>
+    </p:bldLst>
+  </p:timing>
+</p:sld>
+</file>
+
+<file path=ppt/slides/slide5.xml><?xml version="1.0" encoding="utf-8"?>
+<p:sld xmlns:a="http://schemas.openxmlformats.org/drawingml/2006/main" xmlns:r="http://schemas.openxmlformats.org/officeDocument/2006/relationships" xmlns:p="http://schemas.openxmlformats.org/presentationml/2006/main">
+  <p:cSld>
+    <p:spTree>
+      <p:nvGrpSpPr>
+        <p:cNvPr id="1" name=""/>
+        <p:cNvGrpSpPr/>
+        <p:nvPr/>
+      </p:nvGrpSpPr>
+      <p:grpSpPr>
+        <a:xfrm>
+          <a:off x="0" y="0"/>
+          <a:ext cx="0" cy="0"/>
+          <a:chOff x="0" y="0"/>
+          <a:chExt cx="0" cy="0"/>
+        </a:xfrm>
+      </p:grpSpPr>
+      <p:sp>
+        <p:nvSpPr>
+          <p:cNvPr id="3" name="제목 2"/>
+          <p:cNvSpPr>
+            <a:spLocks noGrp="1"/>
+          </p:cNvSpPr>
+          <p:nvPr>
+            <p:ph type="title"/>
+          </p:nvPr>
+        </p:nvSpPr>
+        <p:spPr/>
+        <p:txBody>
+          <a:bodyPr/>
+          <a:lstStyle/>
+          <a:p>
+            <a:r>
+              <a:rPr lang="en-US" altLang="ko-KR" dirty="0" smtClean="0"/>
+              <a:t>Convolutional Neural Network 1/2</a:t>
+            </a:r>
+            <a:endParaRPr lang="ko-KR" altLang="en-US" dirty="0"/>
+          </a:p>
+        </p:txBody>
+      </p:sp>
+      <p:sp>
+        <p:nvSpPr>
+          <p:cNvPr id="4" name="슬라이드 번호 개체 틀 3"/>
+          <p:cNvSpPr>
+            <a:spLocks noGrp="1"/>
+          </p:cNvSpPr>
+          <p:nvPr>
+            <p:ph type="sldNum" sz="quarter" idx="12"/>
+          </p:nvPr>
+        </p:nvSpPr>
+        <p:spPr/>
+        <p:txBody>
+          <a:bodyPr/>
+          <a:lstStyle/>
+          <a:p>
+            <a:fld id="{4CA1D5AE-3018-49FC-B3E0-A1E0E9567469}" type="slidenum">
+              <a:rPr lang="ko-KR" altLang="en-US" smtClean="0"/>
+              <a:pPr/>
+              <a:t>5</a:t>
+            </a:fld>
+            <a:endParaRPr lang="ko-KR" altLang="en-US"/>
+          </a:p>
+        </p:txBody>
+      </p:sp>
+      <p:pic>
+        <p:nvPicPr>
+          <p:cNvPr id="4098" name="Picture 2"/>
+          <p:cNvPicPr>
+            <a:picLocks noChangeAspect="1" noChangeArrowheads="1"/>
+          </p:cNvPicPr>
+          <p:nvPr/>
+        </p:nvPicPr>
+        <p:blipFill>
+          <a:blip r:embed="rId2">
+            <a:extLst>
+              <a:ext uri="{28A0092B-C50C-407E-A947-70E740481C1C}">
+                <a14:useLocalDpi xmlns:a14="http://schemas.microsoft.com/office/drawing/2010/main" val="0"/>
+              </a:ext>
+            </a:extLst>
+          </a:blip>
+          <a:srcRect/>
+          <a:stretch>
+            <a:fillRect/>
+          </a:stretch>
+        </p:blipFill>
+        <p:spPr bwMode="auto">
+          <a:xfrm>
+            <a:off x="328613" y="1319213"/>
+            <a:ext cx="8486775" cy="4219575"/>
           </a:xfrm>
           <a:prstGeom prst="rect">
             <a:avLst/>
@@ -6422,7 +5632,259 @@
     </p:spTree>
     <p:extLst>
       <p:ext uri="{BB962C8B-B14F-4D97-AF65-F5344CB8AC3E}">
-        <p14:creationId xmlns:p14="http://schemas.microsoft.com/office/powerpoint/2010/main" val="258478055"/>
+        <p14:creationId xmlns:p14="http://schemas.microsoft.com/office/powerpoint/2010/main" val="2858007222"/>
+      </p:ext>
+    </p:extLst>
+  </p:cSld>
+  <p:clrMapOvr>
+    <a:masterClrMapping/>
+  </p:clrMapOvr>
+  <p:timing>
+    <p:tnLst>
+      <p:par>
+        <p:cTn id="1" dur="indefinite" restart="never" nodeType="tmRoot">
+          <p:childTnLst>
+            <p:seq concurrent="1" nextAc="seek">
+              <p:cTn id="2" dur="indefinite" nodeType="mainSeq">
+                <p:childTnLst>
+                  <p:par>
+                    <p:cTn id="3" fill="hold">
+                      <p:stCondLst>
+                        <p:cond delay="indefinite"/>
+                      </p:stCondLst>
+                      <p:childTnLst>
+                        <p:par>
+                          <p:cTn id="4" fill="hold">
+                            <p:stCondLst>
+                              <p:cond delay="0"/>
+                            </p:stCondLst>
+                            <p:childTnLst>
+                              <p:par>
+                                <p:cTn id="5" presetID="10" presetClass="entr" presetSubtype="0" fill="hold" nodeType="clickEffect">
+                                  <p:stCondLst>
+                                    <p:cond delay="0"/>
+                                  </p:stCondLst>
+                                  <p:childTnLst>
+                                    <p:set>
+                                      <p:cBhvr>
+                                        <p:cTn id="6" dur="1" fill="hold">
+                                          <p:stCondLst>
+                                            <p:cond delay="0"/>
+                                          </p:stCondLst>
+                                        </p:cTn>
+                                        <p:tgtEl>
+                                          <p:spTgt spid="4098"/>
+                                        </p:tgtEl>
+                                        <p:attrNameLst>
+                                          <p:attrName>style.visibility</p:attrName>
+                                        </p:attrNameLst>
+                                      </p:cBhvr>
+                                      <p:to>
+                                        <p:strVal val="visible"/>
+                                      </p:to>
+                                    </p:set>
+                                    <p:animEffect transition="in" filter="fade">
+                                      <p:cBhvr>
+                                        <p:cTn id="7" dur="500"/>
+                                        <p:tgtEl>
+                                          <p:spTgt spid="4098"/>
+                                        </p:tgtEl>
+                                      </p:cBhvr>
+                                    </p:animEffect>
+                                  </p:childTnLst>
+                                </p:cTn>
+                              </p:par>
+                            </p:childTnLst>
+                          </p:cTn>
+                        </p:par>
+                      </p:childTnLst>
+                    </p:cTn>
+                  </p:par>
+                </p:childTnLst>
+              </p:cTn>
+              <p:prevCondLst>
+                <p:cond evt="onPrev" delay="0">
+                  <p:tgtEl>
+                    <p:sldTgt/>
+                  </p:tgtEl>
+                </p:cond>
+              </p:prevCondLst>
+              <p:nextCondLst>
+                <p:cond evt="onNext" delay="0">
+                  <p:tgtEl>
+                    <p:sldTgt/>
+                  </p:tgtEl>
+                </p:cond>
+              </p:nextCondLst>
+            </p:seq>
+          </p:childTnLst>
+        </p:cTn>
+      </p:par>
+    </p:tnLst>
+  </p:timing>
+</p:sld>
+</file>
+
+<file path=ppt/slides/slide6.xml><?xml version="1.0" encoding="utf-8"?>
+<p:sld xmlns:a="http://schemas.openxmlformats.org/drawingml/2006/main" xmlns:r="http://schemas.openxmlformats.org/officeDocument/2006/relationships" xmlns:p="http://schemas.openxmlformats.org/presentationml/2006/main">
+  <p:cSld>
+    <p:spTree>
+      <p:nvGrpSpPr>
+        <p:cNvPr id="1" name=""/>
+        <p:cNvGrpSpPr/>
+        <p:nvPr/>
+      </p:nvGrpSpPr>
+      <p:grpSpPr>
+        <a:xfrm>
+          <a:off x="0" y="0"/>
+          <a:ext cx="0" cy="0"/>
+          <a:chOff x="0" y="0"/>
+          <a:chExt cx="0" cy="0"/>
+        </a:xfrm>
+      </p:grpSpPr>
+      <p:sp>
+        <p:nvSpPr>
+          <p:cNvPr id="3" name="제목 2"/>
+          <p:cNvSpPr>
+            <a:spLocks noGrp="1"/>
+          </p:cNvSpPr>
+          <p:nvPr>
+            <p:ph type="title"/>
+          </p:nvPr>
+        </p:nvSpPr>
+        <p:spPr/>
+        <p:txBody>
+          <a:bodyPr/>
+          <a:lstStyle/>
+          <a:p>
+            <a:r>
+              <a:rPr lang="en-US" altLang="ko-KR" dirty="0" smtClean="0"/>
+              <a:t>Convolutional Neural Network 2/2</a:t>
+            </a:r>
+            <a:endParaRPr lang="ko-KR" altLang="en-US" dirty="0"/>
+          </a:p>
+        </p:txBody>
+      </p:sp>
+      <p:sp>
+        <p:nvSpPr>
+          <p:cNvPr id="4" name="슬라이드 번호 개체 틀 3"/>
+          <p:cNvSpPr>
+            <a:spLocks noGrp="1"/>
+          </p:cNvSpPr>
+          <p:nvPr>
+            <p:ph type="sldNum" sz="quarter" idx="12"/>
+          </p:nvPr>
+        </p:nvSpPr>
+        <p:spPr/>
+        <p:txBody>
+          <a:bodyPr/>
+          <a:lstStyle/>
+          <a:p>
+            <a:fld id="{4CA1D5AE-3018-49FC-B3E0-A1E0E9567469}" type="slidenum">
+              <a:rPr lang="ko-KR" altLang="en-US" smtClean="0"/>
+              <a:pPr/>
+              <a:t>6</a:t>
+            </a:fld>
+            <a:endParaRPr lang="ko-KR" altLang="en-US"/>
+          </a:p>
+        </p:txBody>
+      </p:sp>
+      <p:pic>
+        <p:nvPicPr>
+          <p:cNvPr id="5122" name="Picture 2"/>
+          <p:cNvPicPr>
+            <a:picLocks noChangeAspect="1" noChangeArrowheads="1"/>
+          </p:cNvPicPr>
+          <p:nvPr/>
+        </p:nvPicPr>
+        <p:blipFill>
+          <a:blip r:embed="rId2">
+            <a:extLst>
+              <a:ext uri="{28A0092B-C50C-407E-A947-70E740481C1C}">
+                <a14:useLocalDpi xmlns:a14="http://schemas.microsoft.com/office/drawing/2010/main" val="0"/>
+              </a:ext>
+            </a:extLst>
+          </a:blip>
+          <a:srcRect/>
+          <a:stretch>
+            <a:fillRect/>
+          </a:stretch>
+        </p:blipFill>
+        <p:spPr bwMode="auto">
+          <a:xfrm>
+            <a:off x="1487374" y="869146"/>
+            <a:ext cx="5892937" cy="5629906"/>
+          </a:xfrm>
+          <a:prstGeom prst="rect">
+            <a:avLst/>
+          </a:prstGeom>
+          <a:noFill/>
+          <a:ln>
+            <a:noFill/>
+          </a:ln>
+          <a:extLst>
+            <a:ext uri="{909E8E84-426E-40DD-AFC4-6F175D3DCCD1}">
+              <a14:hiddenFill xmlns:a14="http://schemas.microsoft.com/office/drawing/2010/main">
+                <a:solidFill>
+                  <a:schemeClr val="accent1"/>
+                </a:solidFill>
+              </a14:hiddenFill>
+            </a:ext>
+            <a:ext uri="{91240B29-F687-4F45-9708-019B960494DF}">
+              <a14:hiddenLine xmlns:a14="http://schemas.microsoft.com/office/drawing/2010/main" w="9525">
+                <a:solidFill>
+                  <a:schemeClr val="tx1"/>
+                </a:solidFill>
+                <a:miter lim="800000"/>
+                <a:headEnd/>
+                <a:tailEnd/>
+              </a14:hiddenLine>
+            </a:ext>
+          </a:extLst>
+        </p:spPr>
+      </p:pic>
+      <p:sp>
+        <p:nvSpPr>
+          <p:cNvPr id="6" name="TextBox 5"/>
+          <p:cNvSpPr txBox="1"/>
+          <p:nvPr/>
+        </p:nvSpPr>
+        <p:spPr>
+          <a:xfrm>
+            <a:off x="4648894" y="5994184"/>
+            <a:ext cx="4075155" cy="461665"/>
+          </a:xfrm>
+          <a:prstGeom prst="rect">
+            <a:avLst/>
+          </a:prstGeom>
+          <a:noFill/>
+        </p:spPr>
+        <p:txBody>
+          <a:bodyPr wrap="none" rtlCol="0">
+            <a:spAutoFit/>
+          </a:bodyPr>
+          <a:lstStyle/>
+          <a:p>
+            <a:r>
+              <a:rPr lang="en-US" altLang="ko-KR" sz="2400" b="1" dirty="0" smtClean="0">
+                <a:solidFill>
+                  <a:srgbClr val="FF0000"/>
+                </a:solidFill>
+              </a:rPr>
+              <a:t>99.2% Accuracy on MNIST</a:t>
+            </a:r>
+            <a:endParaRPr lang="ko-KR" altLang="en-US" sz="2400" b="1" dirty="0" smtClean="0">
+              <a:solidFill>
+                <a:srgbClr val="FF0000"/>
+              </a:solidFill>
+            </a:endParaRPr>
+          </a:p>
+        </p:txBody>
+      </p:sp>
+    </p:spTree>
+    <p:extLst>
+      <p:ext uri="{BB962C8B-B14F-4D97-AF65-F5344CB8AC3E}">
+        <p14:creationId xmlns:p14="http://schemas.microsoft.com/office/powerpoint/2010/main" val="398148463"/>
       </p:ext>
     </p:extLst>
   </p:cSld>
@@ -6478,610 +5940,6 @@
                                         <p:cTn id="7" dur="500"/>
                                         <p:tgtEl>
                                           <p:spTgt spid="5122"/>
-                                        </p:tgtEl>
-                                      </p:cBhvr>
-                                    </p:animEffect>
-                                  </p:childTnLst>
-                                </p:cTn>
-                              </p:par>
-                            </p:childTnLst>
-                          </p:cTn>
-                        </p:par>
-                      </p:childTnLst>
-                    </p:cTn>
-                  </p:par>
-                </p:childTnLst>
-              </p:cTn>
-              <p:prevCondLst>
-                <p:cond evt="onPrev" delay="0">
-                  <p:tgtEl>
-                    <p:sldTgt/>
-                  </p:tgtEl>
-                </p:cond>
-              </p:prevCondLst>
-              <p:nextCondLst>
-                <p:cond evt="onNext" delay="0">
-                  <p:tgtEl>
-                    <p:sldTgt/>
-                  </p:tgtEl>
-                </p:cond>
-              </p:nextCondLst>
-            </p:seq>
-          </p:childTnLst>
-        </p:cTn>
-      </p:par>
-    </p:tnLst>
-  </p:timing>
-</p:sld>
-</file>
-
-<file path=ppt/slides/slide7.xml><?xml version="1.0" encoding="utf-8"?>
-<p:sld xmlns:a="http://schemas.openxmlformats.org/drawingml/2006/main" xmlns:r="http://schemas.openxmlformats.org/officeDocument/2006/relationships" xmlns:p="http://schemas.openxmlformats.org/presentationml/2006/main">
-  <p:cSld>
-    <p:spTree>
-      <p:nvGrpSpPr>
-        <p:cNvPr id="1" name=""/>
-        <p:cNvGrpSpPr/>
-        <p:nvPr/>
-      </p:nvGrpSpPr>
-      <p:grpSpPr>
-        <a:xfrm>
-          <a:off x="0" y="0"/>
-          <a:ext cx="0" cy="0"/>
-          <a:chOff x="0" y="0"/>
-          <a:chExt cx="0" cy="0"/>
-        </a:xfrm>
-      </p:grpSpPr>
-      <p:sp>
-        <p:nvSpPr>
-          <p:cNvPr id="3" name="제목 2"/>
-          <p:cNvSpPr>
-            <a:spLocks noGrp="1"/>
-          </p:cNvSpPr>
-          <p:nvPr>
-            <p:ph type="title"/>
-          </p:nvPr>
-        </p:nvSpPr>
-        <p:spPr/>
-        <p:txBody>
-          <a:bodyPr/>
-          <a:lstStyle/>
-          <a:p>
-            <a:r>
-              <a:rPr lang="en-US" altLang="ko-KR" dirty="0" smtClean="0"/>
-              <a:t>Total loss</a:t>
-            </a:r>
-            <a:endParaRPr lang="ko-KR" altLang="en-US" dirty="0"/>
-          </a:p>
-        </p:txBody>
-      </p:sp>
-      <p:sp>
-        <p:nvSpPr>
-          <p:cNvPr id="4" name="슬라이드 번호 개체 틀 3"/>
-          <p:cNvSpPr>
-            <a:spLocks noGrp="1"/>
-          </p:cNvSpPr>
-          <p:nvPr>
-            <p:ph type="sldNum" sz="quarter" idx="12"/>
-          </p:nvPr>
-        </p:nvSpPr>
-        <p:spPr/>
-        <p:txBody>
-          <a:bodyPr/>
-          <a:lstStyle/>
-          <a:p>
-            <a:fld id="{4CA1D5AE-3018-49FC-B3E0-A1E0E9567469}" type="slidenum">
-              <a:rPr lang="ko-KR" altLang="en-US" smtClean="0"/>
-              <a:pPr/>
-              <a:t>7</a:t>
-            </a:fld>
-            <a:endParaRPr lang="ko-KR" altLang="en-US"/>
-          </a:p>
-        </p:txBody>
-      </p:sp>
-      <p:pic>
-        <p:nvPicPr>
-          <p:cNvPr id="6147" name="Picture 3"/>
-          <p:cNvPicPr>
-            <a:picLocks noChangeAspect="1" noChangeArrowheads="1"/>
-          </p:cNvPicPr>
-          <p:nvPr/>
-        </p:nvPicPr>
-        <p:blipFill>
-          <a:blip r:embed="rId2">
-            <a:extLst>
-              <a:ext uri="{28A0092B-C50C-407E-A947-70E740481C1C}">
-                <a14:useLocalDpi xmlns:a14="http://schemas.microsoft.com/office/drawing/2010/main" val="0"/>
-              </a:ext>
-            </a:extLst>
-          </a:blip>
-          <a:srcRect/>
-          <a:stretch>
-            <a:fillRect/>
-          </a:stretch>
-        </p:blipFill>
-        <p:spPr bwMode="auto">
-          <a:xfrm>
-            <a:off x="695325" y="2700338"/>
-            <a:ext cx="7753350" cy="1457325"/>
-          </a:xfrm>
-          <a:prstGeom prst="rect">
-            <a:avLst/>
-          </a:prstGeom>
-          <a:noFill/>
-          <a:ln>
-            <a:noFill/>
-          </a:ln>
-          <a:extLst>
-            <a:ext uri="{909E8E84-426E-40DD-AFC4-6F175D3DCCD1}">
-              <a14:hiddenFill xmlns:a14="http://schemas.microsoft.com/office/drawing/2010/main">
-                <a:solidFill>
-                  <a:schemeClr val="accent1"/>
-                </a:solidFill>
-              </a14:hiddenFill>
-            </a:ext>
-            <a:ext uri="{91240B29-F687-4F45-9708-019B960494DF}">
-              <a14:hiddenLine xmlns:a14="http://schemas.microsoft.com/office/drawing/2010/main" w="9525">
-                <a:solidFill>
-                  <a:schemeClr val="tx1"/>
-                </a:solidFill>
-                <a:miter lim="800000"/>
-                <a:headEnd/>
-                <a:tailEnd/>
-              </a14:hiddenLine>
-            </a:ext>
-          </a:extLst>
-        </p:spPr>
-      </p:pic>
-      <p:sp>
-        <p:nvSpPr>
-          <p:cNvPr id="7" name="직사각형 6"/>
-          <p:cNvSpPr/>
-          <p:nvPr/>
-        </p:nvSpPr>
-        <p:spPr>
-          <a:xfrm>
-            <a:off x="721658" y="2979068"/>
-            <a:ext cx="5027632" cy="282292"/>
-          </a:xfrm>
-          <a:prstGeom prst="rect">
-            <a:avLst/>
-          </a:prstGeom>
-          <a:noFill/>
-          <a:ln w="19050">
-            <a:solidFill>
-              <a:srgbClr val="FF0000"/>
-            </a:solidFill>
-            <a:prstDash val="dash"/>
-          </a:ln>
-        </p:spPr>
-        <p:style>
-          <a:lnRef idx="2">
-            <a:schemeClr val="accent1">
-              <a:shade val="50000"/>
-            </a:schemeClr>
-          </a:lnRef>
-          <a:fillRef idx="1">
-            <a:schemeClr val="accent1"/>
-          </a:fillRef>
-          <a:effectRef idx="0">
-            <a:schemeClr val="accent1"/>
-          </a:effectRef>
-          <a:fontRef idx="minor">
-            <a:schemeClr val="lt1"/>
-          </a:fontRef>
-        </p:style>
-        <p:txBody>
-          <a:bodyPr rot="0" spcFirstLastPara="0" vertOverflow="overflow" horzOverflow="overflow" vert="horz" wrap="square" lIns="91440" tIns="45720" rIns="91440" bIns="45720" numCol="1" spcCol="0" rtlCol="0" fromWordArt="0" anchor="ctr" anchorCtr="0" forceAA="0" compatLnSpc="1">
-            <a:prstTxWarp prst="textNoShape">
-              <a:avLst/>
-            </a:prstTxWarp>
-            <a:noAutofit/>
-          </a:bodyPr>
-          <a:lstStyle/>
-          <a:p>
-            <a:pPr algn="ctr"/>
-            <a:endParaRPr lang="ko-KR" altLang="en-US" dirty="0" smtClean="0">
-              <a:solidFill>
-                <a:schemeClr val="tx1"/>
-              </a:solidFill>
-            </a:endParaRPr>
-          </a:p>
-        </p:txBody>
-      </p:sp>
-    </p:spTree>
-    <p:extLst>
-      <p:ext uri="{BB962C8B-B14F-4D97-AF65-F5344CB8AC3E}">
-        <p14:creationId xmlns:p14="http://schemas.microsoft.com/office/powerpoint/2010/main" val="2172815313"/>
-      </p:ext>
-    </p:extLst>
-  </p:cSld>
-  <p:clrMapOvr>
-    <a:masterClrMapping/>
-  </p:clrMapOvr>
-  <p:timing>
-    <p:tnLst>
-      <p:par>
-        <p:cTn id="1" dur="indefinite" restart="never" nodeType="tmRoot">
-          <p:childTnLst>
-            <p:seq concurrent="1" nextAc="seek">
-              <p:cTn id="2" dur="indefinite" nodeType="mainSeq">
-                <p:childTnLst>
-                  <p:par>
-                    <p:cTn id="3" fill="hold">
-                      <p:stCondLst>
-                        <p:cond delay="indefinite"/>
-                      </p:stCondLst>
-                      <p:childTnLst>
-                        <p:par>
-                          <p:cTn id="4" fill="hold">
-                            <p:stCondLst>
-                              <p:cond delay="0"/>
-                            </p:stCondLst>
-                            <p:childTnLst>
-                              <p:par>
-                                <p:cTn id="5" presetID="10" presetClass="entr" presetSubtype="0" fill="hold" nodeType="clickEffect">
-                                  <p:stCondLst>
-                                    <p:cond delay="0"/>
-                                  </p:stCondLst>
-                                  <p:childTnLst>
-                                    <p:set>
-                                      <p:cBhvr>
-                                        <p:cTn id="6" dur="1" fill="hold">
-                                          <p:stCondLst>
-                                            <p:cond delay="0"/>
-                                          </p:stCondLst>
-                                        </p:cTn>
-                                        <p:tgtEl>
-                                          <p:spTgt spid="6147"/>
-                                        </p:tgtEl>
-                                        <p:attrNameLst>
-                                          <p:attrName>style.visibility</p:attrName>
-                                        </p:attrNameLst>
-                                      </p:cBhvr>
-                                      <p:to>
-                                        <p:strVal val="visible"/>
-                                      </p:to>
-                                    </p:set>
-                                    <p:animEffect transition="in" filter="fade">
-                                      <p:cBhvr>
-                                        <p:cTn id="7" dur="500"/>
-                                        <p:tgtEl>
-                                          <p:spTgt spid="6147"/>
-                                        </p:tgtEl>
-                                      </p:cBhvr>
-                                    </p:animEffect>
-                                  </p:childTnLst>
-                                </p:cTn>
-                              </p:par>
-                            </p:childTnLst>
-                          </p:cTn>
-                        </p:par>
-                      </p:childTnLst>
-                    </p:cTn>
-                  </p:par>
-                  <p:par>
-                    <p:cTn id="8" fill="hold">
-                      <p:stCondLst>
-                        <p:cond delay="indefinite"/>
-                      </p:stCondLst>
-                      <p:childTnLst>
-                        <p:par>
-                          <p:cTn id="9" fill="hold">
-                            <p:stCondLst>
-                              <p:cond delay="0"/>
-                            </p:stCondLst>
-                            <p:childTnLst>
-                              <p:par>
-                                <p:cTn id="10" presetID="10" presetClass="entr" presetSubtype="0" fill="hold" grpId="0" nodeType="clickEffect">
-                                  <p:stCondLst>
-                                    <p:cond delay="0"/>
-                                  </p:stCondLst>
-                                  <p:childTnLst>
-                                    <p:set>
-                                      <p:cBhvr>
-                                        <p:cTn id="11" dur="1" fill="hold">
-                                          <p:stCondLst>
-                                            <p:cond delay="0"/>
-                                          </p:stCondLst>
-                                        </p:cTn>
-                                        <p:tgtEl>
-                                          <p:spTgt spid="7"/>
-                                        </p:tgtEl>
-                                        <p:attrNameLst>
-                                          <p:attrName>style.visibility</p:attrName>
-                                        </p:attrNameLst>
-                                      </p:cBhvr>
-                                      <p:to>
-                                        <p:strVal val="visible"/>
-                                      </p:to>
-                                    </p:set>
-                                    <p:animEffect transition="in" filter="fade">
-                                      <p:cBhvr>
-                                        <p:cTn id="12" dur="500"/>
-                                        <p:tgtEl>
-                                          <p:spTgt spid="7"/>
-                                        </p:tgtEl>
-                                      </p:cBhvr>
-                                    </p:animEffect>
-                                  </p:childTnLst>
-                                </p:cTn>
-                              </p:par>
-                            </p:childTnLst>
-                          </p:cTn>
-                        </p:par>
-                      </p:childTnLst>
-                    </p:cTn>
-                  </p:par>
-                </p:childTnLst>
-              </p:cTn>
-              <p:prevCondLst>
-                <p:cond evt="onPrev" delay="0">
-                  <p:tgtEl>
-                    <p:sldTgt/>
-                  </p:tgtEl>
-                </p:cond>
-              </p:prevCondLst>
-              <p:nextCondLst>
-                <p:cond evt="onNext" delay="0">
-                  <p:tgtEl>
-                    <p:sldTgt/>
-                  </p:tgtEl>
-                </p:cond>
-              </p:nextCondLst>
-            </p:seq>
-          </p:childTnLst>
-        </p:cTn>
-      </p:par>
-    </p:tnLst>
-    <p:bldLst>
-      <p:bldP spid="7" grpId="0" animBg="1"/>
-    </p:bldLst>
-  </p:timing>
-</p:sld>
-</file>
-
-<file path=ppt/slides/slide8.xml><?xml version="1.0" encoding="utf-8"?>
-<p:sld xmlns:a="http://schemas.openxmlformats.org/drawingml/2006/main" xmlns:r="http://schemas.openxmlformats.org/officeDocument/2006/relationships" xmlns:p="http://schemas.openxmlformats.org/presentationml/2006/main">
-  <p:cSld>
-    <p:spTree>
-      <p:nvGrpSpPr>
-        <p:cNvPr id="1" name=""/>
-        <p:cNvGrpSpPr/>
-        <p:nvPr/>
-      </p:nvGrpSpPr>
-      <p:grpSpPr>
-        <a:xfrm>
-          <a:off x="0" y="0"/>
-          <a:ext cx="0" cy="0"/>
-          <a:chOff x="0" y="0"/>
-          <a:chExt cx="0" cy="0"/>
-        </a:xfrm>
-      </p:grpSpPr>
-      <p:sp>
-        <p:nvSpPr>
-          <p:cNvPr id="3" name="제목 2"/>
-          <p:cNvSpPr>
-            <a:spLocks noGrp="1"/>
-          </p:cNvSpPr>
-          <p:nvPr>
-            <p:ph type="title"/>
-          </p:nvPr>
-        </p:nvSpPr>
-        <p:spPr/>
-        <p:txBody>
-          <a:bodyPr/>
-          <a:lstStyle/>
-          <a:p>
-            <a:r>
-              <a:rPr lang="en-US" altLang="ko-KR" dirty="0" smtClean="0"/>
-              <a:t>Initialization</a:t>
-            </a:r>
-            <a:endParaRPr lang="ko-KR" altLang="en-US" dirty="0"/>
-          </a:p>
-        </p:txBody>
-      </p:sp>
-      <p:sp>
-        <p:nvSpPr>
-          <p:cNvPr id="4" name="슬라이드 번호 개체 틀 3"/>
-          <p:cNvSpPr>
-            <a:spLocks noGrp="1"/>
-          </p:cNvSpPr>
-          <p:nvPr>
-            <p:ph type="sldNum" sz="quarter" idx="12"/>
-          </p:nvPr>
-        </p:nvSpPr>
-        <p:spPr/>
-        <p:txBody>
-          <a:bodyPr/>
-          <a:lstStyle/>
-          <a:p>
-            <a:fld id="{4CA1D5AE-3018-49FC-B3E0-A1E0E9567469}" type="slidenum">
-              <a:rPr lang="ko-KR" altLang="en-US" smtClean="0"/>
-              <a:pPr/>
-              <a:t>8</a:t>
-            </a:fld>
-            <a:endParaRPr lang="ko-KR" altLang="en-US"/>
-          </a:p>
-        </p:txBody>
-      </p:sp>
-      <p:pic>
-        <p:nvPicPr>
-          <p:cNvPr id="7170" name="Picture 2"/>
-          <p:cNvPicPr>
-            <a:picLocks noChangeAspect="1" noChangeArrowheads="1"/>
-          </p:cNvPicPr>
-          <p:nvPr/>
-        </p:nvPicPr>
-        <p:blipFill>
-          <a:blip r:embed="rId2">
-            <a:extLst>
-              <a:ext uri="{28A0092B-C50C-407E-A947-70E740481C1C}">
-                <a14:useLocalDpi xmlns:a14="http://schemas.microsoft.com/office/drawing/2010/main" val="0"/>
-              </a:ext>
-            </a:extLst>
-          </a:blip>
-          <a:srcRect/>
-          <a:stretch>
-            <a:fillRect/>
-          </a:stretch>
-        </p:blipFill>
-        <p:spPr bwMode="auto">
-          <a:xfrm>
-            <a:off x="214313" y="2162175"/>
-            <a:ext cx="8715375" cy="2533650"/>
-          </a:xfrm>
-          <a:prstGeom prst="rect">
-            <a:avLst/>
-          </a:prstGeom>
-          <a:noFill/>
-          <a:ln>
-            <a:noFill/>
-          </a:ln>
-          <a:extLst>
-            <a:ext uri="{909E8E84-426E-40DD-AFC4-6F175D3DCCD1}">
-              <a14:hiddenFill xmlns:a14="http://schemas.microsoft.com/office/drawing/2010/main">
-                <a:solidFill>
-                  <a:schemeClr val="accent1"/>
-                </a:solidFill>
-              </a14:hiddenFill>
-            </a:ext>
-            <a:ext uri="{91240B29-F687-4F45-9708-019B960494DF}">
-              <a14:hiddenLine xmlns:a14="http://schemas.microsoft.com/office/drawing/2010/main" w="9525">
-                <a:solidFill>
-                  <a:schemeClr val="tx1"/>
-                </a:solidFill>
-                <a:miter lim="800000"/>
-                <a:headEnd/>
-                <a:tailEnd/>
-              </a14:hiddenLine>
-            </a:ext>
-          </a:extLst>
-        </p:spPr>
-      </p:pic>
-      <p:sp>
-        <p:nvSpPr>
-          <p:cNvPr id="6" name="직사각형 5"/>
-          <p:cNvSpPr/>
-          <p:nvPr/>
-        </p:nvSpPr>
-        <p:spPr>
-          <a:xfrm>
-            <a:off x="1187624" y="2696776"/>
-            <a:ext cx="7742064" cy="282292"/>
-          </a:xfrm>
-          <a:prstGeom prst="rect">
-            <a:avLst/>
-          </a:prstGeom>
-          <a:noFill/>
-          <a:ln w="19050">
-            <a:solidFill>
-              <a:srgbClr val="FF0000"/>
-            </a:solidFill>
-            <a:prstDash val="dash"/>
-          </a:ln>
-        </p:spPr>
-        <p:style>
-          <a:lnRef idx="2">
-            <a:schemeClr val="accent1">
-              <a:shade val="50000"/>
-            </a:schemeClr>
-          </a:lnRef>
-          <a:fillRef idx="1">
-            <a:schemeClr val="accent1"/>
-          </a:fillRef>
-          <a:effectRef idx="0">
-            <a:schemeClr val="accent1"/>
-          </a:effectRef>
-          <a:fontRef idx="minor">
-            <a:schemeClr val="lt1"/>
-          </a:fontRef>
-        </p:style>
-        <p:txBody>
-          <a:bodyPr rot="0" spcFirstLastPara="0" vertOverflow="overflow" horzOverflow="overflow" vert="horz" wrap="square" lIns="91440" tIns="45720" rIns="91440" bIns="45720" numCol="1" spcCol="0" rtlCol="0" fromWordArt="0" anchor="ctr" anchorCtr="0" forceAA="0" compatLnSpc="1">
-            <a:prstTxWarp prst="textNoShape">
-              <a:avLst/>
-            </a:prstTxWarp>
-            <a:noAutofit/>
-          </a:bodyPr>
-          <a:lstStyle/>
-          <a:p>
-            <a:pPr algn="ctr"/>
-            <a:r>
-              <a:rPr lang="en-US" altLang="ko-KR" dirty="0" smtClean="0">
-                <a:solidFill>
-                  <a:schemeClr val="tx1"/>
-                </a:solidFill>
-              </a:rPr>
-              <a:t>         </a:t>
-            </a:r>
-            <a:endParaRPr lang="ko-KR" altLang="en-US" dirty="0" smtClean="0">
-              <a:solidFill>
-                <a:schemeClr val="tx1"/>
-              </a:solidFill>
-            </a:endParaRPr>
-          </a:p>
-        </p:txBody>
-      </p:sp>
-    </p:spTree>
-    <p:extLst>
-      <p:ext uri="{BB962C8B-B14F-4D97-AF65-F5344CB8AC3E}">
-        <p14:creationId xmlns:p14="http://schemas.microsoft.com/office/powerpoint/2010/main" val="1901697845"/>
-      </p:ext>
-    </p:extLst>
-  </p:cSld>
-  <p:clrMapOvr>
-    <a:masterClrMapping/>
-  </p:clrMapOvr>
-  <p:timing>
-    <p:tnLst>
-      <p:par>
-        <p:cTn id="1" dur="indefinite" restart="never" nodeType="tmRoot">
-          <p:childTnLst>
-            <p:seq concurrent="1" nextAc="seek">
-              <p:cTn id="2" dur="indefinite" nodeType="mainSeq">
-                <p:childTnLst>
-                  <p:par>
-                    <p:cTn id="3" fill="hold">
-                      <p:stCondLst>
-                        <p:cond delay="indefinite"/>
-                      </p:stCondLst>
-                      <p:childTnLst>
-                        <p:par>
-                          <p:cTn id="4" fill="hold">
-                            <p:stCondLst>
-                              <p:cond delay="0"/>
-                            </p:stCondLst>
-                            <p:childTnLst>
-                              <p:par>
-                                <p:cTn id="5" presetID="10" presetClass="entr" presetSubtype="0" fill="hold" nodeType="clickEffect">
-                                  <p:stCondLst>
-                                    <p:cond delay="0"/>
-                                  </p:stCondLst>
-                                  <p:childTnLst>
-                                    <p:set>
-                                      <p:cBhvr>
-                                        <p:cTn id="6" dur="1" fill="hold">
-                                          <p:stCondLst>
-                                            <p:cond delay="0"/>
-                                          </p:stCondLst>
-                                        </p:cTn>
-                                        <p:tgtEl>
-                                          <p:spTgt spid="7170"/>
-                                        </p:tgtEl>
-                                        <p:attrNameLst>
-                                          <p:attrName>style.visibility</p:attrName>
-                                        </p:attrNameLst>
-                                      </p:cBhvr>
-                                      <p:to>
-                                        <p:strVal val="visible"/>
-                                      </p:to>
-                                    </p:set>
-                                    <p:animEffect transition="in" filter="fade">
-                                      <p:cBhvr>
-                                        <p:cTn id="7" dur="500"/>
-                                        <p:tgtEl>
-                                          <p:spTgt spid="7170"/>
                                         </p:tgtEl>
                                       </p:cBhvr>
                                     </p:animEffect>
@@ -7169,8 +6027,454 @@
       </p:par>
     </p:tnLst>
     <p:bldLst>
-      <p:bldP spid="6" grpId="0" animBg="1"/>
+      <p:bldP spid="6" grpId="0"/>
     </p:bldLst>
+  </p:timing>
+</p:sld>
+</file>
+
+<file path=ppt/slides/slide7.xml><?xml version="1.0" encoding="utf-8"?>
+<p:sld xmlns:a="http://schemas.openxmlformats.org/drawingml/2006/main" xmlns:r="http://schemas.openxmlformats.org/officeDocument/2006/relationships" xmlns:p="http://schemas.openxmlformats.org/presentationml/2006/main">
+  <p:cSld>
+    <p:spTree>
+      <p:nvGrpSpPr>
+        <p:cNvPr id="1" name=""/>
+        <p:cNvGrpSpPr/>
+        <p:nvPr/>
+      </p:nvGrpSpPr>
+      <p:grpSpPr>
+        <a:xfrm>
+          <a:off x="0" y="0"/>
+          <a:ext cx="0" cy="0"/>
+          <a:chOff x="0" y="0"/>
+          <a:chExt cx="0" cy="0"/>
+        </a:xfrm>
+      </p:grpSpPr>
+      <p:sp>
+        <p:nvSpPr>
+          <p:cNvPr id="3" name="제목 2"/>
+          <p:cNvSpPr>
+            <a:spLocks noGrp="1"/>
+          </p:cNvSpPr>
+          <p:nvPr>
+            <p:ph type="title"/>
+          </p:nvPr>
+        </p:nvSpPr>
+        <p:spPr/>
+        <p:txBody>
+          <a:bodyPr/>
+          <a:lstStyle/>
+          <a:p>
+            <a:r>
+              <a:rPr lang="en-US" altLang="ko-KR" dirty="0" smtClean="0"/>
+              <a:t>Recurrent Neural Network</a:t>
+            </a:r>
+            <a:endParaRPr lang="ko-KR" altLang="en-US" dirty="0"/>
+          </a:p>
+        </p:txBody>
+      </p:sp>
+      <p:sp>
+        <p:nvSpPr>
+          <p:cNvPr id="4" name="슬라이드 번호 개체 틀 3"/>
+          <p:cNvSpPr>
+            <a:spLocks noGrp="1"/>
+          </p:cNvSpPr>
+          <p:nvPr>
+            <p:ph type="sldNum" sz="quarter" idx="12"/>
+          </p:nvPr>
+        </p:nvSpPr>
+        <p:spPr/>
+        <p:txBody>
+          <a:bodyPr/>
+          <a:lstStyle/>
+          <a:p>
+            <a:fld id="{4CA1D5AE-3018-49FC-B3E0-A1E0E9567469}" type="slidenum">
+              <a:rPr lang="ko-KR" altLang="en-US" smtClean="0"/>
+              <a:pPr/>
+              <a:t>7</a:t>
+            </a:fld>
+            <a:endParaRPr lang="ko-KR" altLang="en-US"/>
+          </a:p>
+        </p:txBody>
+      </p:sp>
+      <p:pic>
+        <p:nvPicPr>
+          <p:cNvPr id="6146" name="Picture 2"/>
+          <p:cNvPicPr>
+            <a:picLocks noChangeAspect="1" noChangeArrowheads="1"/>
+          </p:cNvPicPr>
+          <p:nvPr/>
+        </p:nvPicPr>
+        <p:blipFill>
+          <a:blip r:embed="rId2">
+            <a:extLst>
+              <a:ext uri="{28A0092B-C50C-407E-A947-70E740481C1C}">
+                <a14:useLocalDpi xmlns:a14="http://schemas.microsoft.com/office/drawing/2010/main" val="0"/>
+              </a:ext>
+            </a:extLst>
+          </a:blip>
+          <a:srcRect/>
+          <a:stretch>
+            <a:fillRect/>
+          </a:stretch>
+        </p:blipFill>
+        <p:spPr bwMode="auto">
+          <a:xfrm>
+            <a:off x="1429048" y="969393"/>
+            <a:ext cx="6264696" cy="5497591"/>
+          </a:xfrm>
+          <a:prstGeom prst="rect">
+            <a:avLst/>
+          </a:prstGeom>
+          <a:noFill/>
+          <a:ln>
+            <a:noFill/>
+          </a:ln>
+          <a:extLst>
+            <a:ext uri="{909E8E84-426E-40DD-AFC4-6F175D3DCCD1}">
+              <a14:hiddenFill xmlns:a14="http://schemas.microsoft.com/office/drawing/2010/main">
+                <a:solidFill>
+                  <a:schemeClr val="accent1"/>
+                </a:solidFill>
+              </a14:hiddenFill>
+            </a:ext>
+            <a:ext uri="{91240B29-F687-4F45-9708-019B960494DF}">
+              <a14:hiddenLine xmlns:a14="http://schemas.microsoft.com/office/drawing/2010/main" w="9525">
+                <a:solidFill>
+                  <a:schemeClr val="tx1"/>
+                </a:solidFill>
+                <a:miter lim="800000"/>
+                <a:headEnd/>
+                <a:tailEnd/>
+              </a14:hiddenLine>
+            </a:ext>
+          </a:extLst>
+        </p:spPr>
+      </p:pic>
+      <p:sp>
+        <p:nvSpPr>
+          <p:cNvPr id="6" name="TextBox 5"/>
+          <p:cNvSpPr txBox="1"/>
+          <p:nvPr/>
+        </p:nvSpPr>
+        <p:spPr>
+          <a:xfrm>
+            <a:off x="4648894" y="5994184"/>
+            <a:ext cx="4075155" cy="461665"/>
+          </a:xfrm>
+          <a:prstGeom prst="rect">
+            <a:avLst/>
+          </a:prstGeom>
+          <a:noFill/>
+        </p:spPr>
+        <p:txBody>
+          <a:bodyPr wrap="none" rtlCol="0">
+            <a:spAutoFit/>
+          </a:bodyPr>
+          <a:lstStyle/>
+          <a:p>
+            <a:r>
+              <a:rPr lang="en-US" altLang="ko-KR" sz="2400" b="1" dirty="0" smtClean="0">
+                <a:solidFill>
+                  <a:srgbClr val="FF0000"/>
+                </a:solidFill>
+              </a:rPr>
+              <a:t>96.8% Accuracy on MNIST</a:t>
+            </a:r>
+            <a:endParaRPr lang="ko-KR" altLang="en-US" sz="2400" b="1" dirty="0" smtClean="0">
+              <a:solidFill>
+                <a:srgbClr val="FF0000"/>
+              </a:solidFill>
+            </a:endParaRPr>
+          </a:p>
+        </p:txBody>
+      </p:sp>
+    </p:spTree>
+    <p:extLst>
+      <p:ext uri="{BB962C8B-B14F-4D97-AF65-F5344CB8AC3E}">
+        <p14:creationId xmlns:p14="http://schemas.microsoft.com/office/powerpoint/2010/main" val="3422142366"/>
+      </p:ext>
+    </p:extLst>
+  </p:cSld>
+  <p:clrMapOvr>
+    <a:masterClrMapping/>
+  </p:clrMapOvr>
+  <p:timing>
+    <p:tnLst>
+      <p:par>
+        <p:cTn id="1" dur="indefinite" restart="never" nodeType="tmRoot">
+          <p:childTnLst>
+            <p:seq concurrent="1" nextAc="seek">
+              <p:cTn id="2" dur="indefinite" nodeType="mainSeq">
+                <p:childTnLst>
+                  <p:par>
+                    <p:cTn id="3" fill="hold">
+                      <p:stCondLst>
+                        <p:cond delay="indefinite"/>
+                      </p:stCondLst>
+                      <p:childTnLst>
+                        <p:par>
+                          <p:cTn id="4" fill="hold">
+                            <p:stCondLst>
+                              <p:cond delay="0"/>
+                            </p:stCondLst>
+                            <p:childTnLst>
+                              <p:par>
+                                <p:cTn id="5" presetID="10" presetClass="entr" presetSubtype="0" fill="hold" nodeType="clickEffect">
+                                  <p:stCondLst>
+                                    <p:cond delay="0"/>
+                                  </p:stCondLst>
+                                  <p:childTnLst>
+                                    <p:set>
+                                      <p:cBhvr>
+                                        <p:cTn id="6" dur="1" fill="hold">
+                                          <p:stCondLst>
+                                            <p:cond delay="0"/>
+                                          </p:stCondLst>
+                                        </p:cTn>
+                                        <p:tgtEl>
+                                          <p:spTgt spid="6146"/>
+                                        </p:tgtEl>
+                                        <p:attrNameLst>
+                                          <p:attrName>style.visibility</p:attrName>
+                                        </p:attrNameLst>
+                                      </p:cBhvr>
+                                      <p:to>
+                                        <p:strVal val="visible"/>
+                                      </p:to>
+                                    </p:set>
+                                    <p:animEffect transition="in" filter="fade">
+                                      <p:cBhvr>
+                                        <p:cTn id="7" dur="500"/>
+                                        <p:tgtEl>
+                                          <p:spTgt spid="6146"/>
+                                        </p:tgtEl>
+                                      </p:cBhvr>
+                                    </p:animEffect>
+                                  </p:childTnLst>
+                                </p:cTn>
+                              </p:par>
+                            </p:childTnLst>
+                          </p:cTn>
+                        </p:par>
+                      </p:childTnLst>
+                    </p:cTn>
+                  </p:par>
+                  <p:par>
+                    <p:cTn id="8" fill="hold">
+                      <p:stCondLst>
+                        <p:cond delay="indefinite"/>
+                      </p:stCondLst>
+                      <p:childTnLst>
+                        <p:par>
+                          <p:cTn id="9" fill="hold">
+                            <p:stCondLst>
+                              <p:cond delay="0"/>
+                            </p:stCondLst>
+                            <p:childTnLst>
+                              <p:par>
+                                <p:cTn id="10" presetID="10" presetClass="entr" presetSubtype="0" fill="hold" grpId="0" nodeType="clickEffect">
+                                  <p:stCondLst>
+                                    <p:cond delay="0"/>
+                                  </p:stCondLst>
+                                  <p:childTnLst>
+                                    <p:set>
+                                      <p:cBhvr>
+                                        <p:cTn id="11" dur="1" fill="hold">
+                                          <p:stCondLst>
+                                            <p:cond delay="0"/>
+                                          </p:stCondLst>
+                                        </p:cTn>
+                                        <p:tgtEl>
+                                          <p:spTgt spid="6"/>
+                                        </p:tgtEl>
+                                        <p:attrNameLst>
+                                          <p:attrName>style.visibility</p:attrName>
+                                        </p:attrNameLst>
+                                      </p:cBhvr>
+                                      <p:to>
+                                        <p:strVal val="visible"/>
+                                      </p:to>
+                                    </p:set>
+                                    <p:animEffect transition="in" filter="fade">
+                                      <p:cBhvr>
+                                        <p:cTn id="12" dur="500"/>
+                                        <p:tgtEl>
+                                          <p:spTgt spid="6"/>
+                                        </p:tgtEl>
+                                      </p:cBhvr>
+                                    </p:animEffect>
+                                  </p:childTnLst>
+                                </p:cTn>
+                              </p:par>
+                            </p:childTnLst>
+                          </p:cTn>
+                        </p:par>
+                      </p:childTnLst>
+                    </p:cTn>
+                  </p:par>
+                </p:childTnLst>
+              </p:cTn>
+              <p:prevCondLst>
+                <p:cond evt="onPrev" delay="0">
+                  <p:tgtEl>
+                    <p:sldTgt/>
+                  </p:tgtEl>
+                </p:cond>
+              </p:prevCondLst>
+              <p:nextCondLst>
+                <p:cond evt="onNext" delay="0">
+                  <p:tgtEl>
+                    <p:sldTgt/>
+                  </p:tgtEl>
+                </p:cond>
+              </p:nextCondLst>
+            </p:seq>
+          </p:childTnLst>
+        </p:cTn>
+      </p:par>
+    </p:tnLst>
+    <p:bldLst>
+      <p:bldP spid="6" grpId="0"/>
+    </p:bldLst>
+  </p:timing>
+</p:sld>
+</file>
+
+<file path=ppt/slides/slide8.xml><?xml version="1.0" encoding="utf-8"?>
+<p:sld xmlns:a="http://schemas.openxmlformats.org/drawingml/2006/main" xmlns:r="http://schemas.openxmlformats.org/officeDocument/2006/relationships" xmlns:p="http://schemas.openxmlformats.org/presentationml/2006/main">
+  <p:cSld>
+    <p:spTree>
+      <p:nvGrpSpPr>
+        <p:cNvPr id="1" name=""/>
+        <p:cNvGrpSpPr/>
+        <p:nvPr/>
+      </p:nvGrpSpPr>
+      <p:grpSpPr>
+        <a:xfrm>
+          <a:off x="0" y="0"/>
+          <a:ext cx="0" cy="0"/>
+          <a:chOff x="0" y="0"/>
+          <a:chExt cx="0" cy="0"/>
+        </a:xfrm>
+      </p:grpSpPr>
+      <p:sp>
+        <p:nvSpPr>
+          <p:cNvPr id="3" name="제목 2"/>
+          <p:cNvSpPr>
+            <a:spLocks noGrp="1"/>
+          </p:cNvSpPr>
+          <p:nvPr>
+            <p:ph type="title"/>
+          </p:nvPr>
+        </p:nvSpPr>
+        <p:spPr/>
+        <p:txBody>
+          <a:bodyPr/>
+          <a:lstStyle/>
+          <a:p>
+            <a:r>
+              <a:rPr lang="en-US" altLang="ko-KR" dirty="0" smtClean="0"/>
+              <a:t>Char-RNN</a:t>
+            </a:r>
+            <a:endParaRPr lang="ko-KR" altLang="en-US" dirty="0"/>
+          </a:p>
+        </p:txBody>
+      </p:sp>
+      <p:sp>
+        <p:nvSpPr>
+          <p:cNvPr id="4" name="슬라이드 번호 개체 틀 3"/>
+          <p:cNvSpPr>
+            <a:spLocks noGrp="1"/>
+          </p:cNvSpPr>
+          <p:nvPr>
+            <p:ph type="sldNum" sz="quarter" idx="12"/>
+          </p:nvPr>
+        </p:nvSpPr>
+        <p:spPr/>
+        <p:txBody>
+          <a:bodyPr/>
+          <a:lstStyle/>
+          <a:p>
+            <a:fld id="{4CA1D5AE-3018-49FC-B3E0-A1E0E9567469}" type="slidenum">
+              <a:rPr lang="ko-KR" altLang="en-US" smtClean="0"/>
+              <a:pPr/>
+              <a:t>8</a:t>
+            </a:fld>
+            <a:endParaRPr lang="ko-KR" altLang="en-US"/>
+          </a:p>
+        </p:txBody>
+      </p:sp>
+      <p:pic>
+        <p:nvPicPr>
+          <p:cNvPr id="7170" name="Picture 2"/>
+          <p:cNvPicPr>
+            <a:picLocks noChangeAspect="1" noChangeArrowheads="1"/>
+          </p:cNvPicPr>
+          <p:nvPr/>
+        </p:nvPicPr>
+        <p:blipFill>
+          <a:blip r:embed="rId2">
+            <a:extLst>
+              <a:ext uri="{28A0092B-C50C-407E-A947-70E740481C1C}">
+                <a14:useLocalDpi xmlns:a14="http://schemas.microsoft.com/office/drawing/2010/main" val="0"/>
+              </a:ext>
+            </a:extLst>
+          </a:blip>
+          <a:srcRect/>
+          <a:stretch>
+            <a:fillRect/>
+          </a:stretch>
+        </p:blipFill>
+        <p:spPr bwMode="auto">
+          <a:xfrm>
+            <a:off x="1653580" y="865335"/>
+            <a:ext cx="6317468" cy="5949629"/>
+          </a:xfrm>
+          <a:prstGeom prst="rect">
+            <a:avLst/>
+          </a:prstGeom>
+          <a:noFill/>
+          <a:ln>
+            <a:noFill/>
+          </a:ln>
+          <a:extLst>
+            <a:ext uri="{909E8E84-426E-40DD-AFC4-6F175D3DCCD1}">
+              <a14:hiddenFill xmlns:a14="http://schemas.microsoft.com/office/drawing/2010/main">
+                <a:solidFill>
+                  <a:schemeClr val="accent1"/>
+                </a:solidFill>
+              </a14:hiddenFill>
+            </a:ext>
+            <a:ext uri="{91240B29-F687-4F45-9708-019B960494DF}">
+              <a14:hiddenLine xmlns:a14="http://schemas.microsoft.com/office/drawing/2010/main" w="9525">
+                <a:solidFill>
+                  <a:schemeClr val="tx1"/>
+                </a:solidFill>
+                <a:miter lim="800000"/>
+                <a:headEnd/>
+                <a:tailEnd/>
+              </a14:hiddenLine>
+            </a:ext>
+          </a:extLst>
+        </p:spPr>
+      </p:pic>
+    </p:spTree>
+    <p:extLst>
+      <p:ext uri="{BB962C8B-B14F-4D97-AF65-F5344CB8AC3E}">
+        <p14:creationId xmlns:p14="http://schemas.microsoft.com/office/powerpoint/2010/main" val="2302674222"/>
+      </p:ext>
+    </p:extLst>
+  </p:cSld>
+  <p:clrMapOvr>
+    <a:masterClrMapping/>
+  </p:clrMapOvr>
+  <p:timing>
+    <p:tnLst>
+      <p:par>
+        <p:cTn id="1" dur="indefinite" restart="never" nodeType="tmRoot"/>
+      </p:par>
+    </p:tnLst>
   </p:timing>
 </p:sld>
 </file>
